--- a/LabBook_10.pptx
+++ b/LabBook_10.pptx
@@ -5092,7 +5092,7 @@
         <p:spPr>
           <a:xfrm>
             <a:off x="609441" y="4860334"/>
-            <a:ext cx="11199971" cy="1384995"/>
+            <a:ext cx="11199971" cy="1569660"/>
           </a:xfrm>
           <a:prstGeom prst="rect">
             <a:avLst/>
@@ -5125,13 +5125,485 @@
           </a:p>
           <a:p>
             <a:pPr algn="just"/>
-            <a:endParaRPr lang="en-US" sz="1200" dirty="0">
-              <a:latin typeface="Arial" panose="020B0604020202020204" pitchFamily="34" charset="0"/>
-              <a:cs typeface="Arial" panose="020B0604020202020204" pitchFamily="34" charset="0"/>
-            </a:endParaRPr>
+            <a:r>
+              <a:rPr lang="en-US" sz="1200" dirty="0">
+                <a:latin typeface="Arial" panose="020B0604020202020204" pitchFamily="34" charset="0"/>
+                <a:cs typeface="Arial" panose="020B0604020202020204" pitchFamily="34" charset="0"/>
+              </a:rPr>
+              <a:t>Se </a:t>
+            </a:r>
+            <a:r>
+              <a:rPr lang="en-US" sz="1200" dirty="0" err="1">
+                <a:latin typeface="Arial" panose="020B0604020202020204" pitchFamily="34" charset="0"/>
+                <a:cs typeface="Arial" panose="020B0604020202020204" pitchFamily="34" charset="0"/>
+              </a:rPr>
+              <a:t>observa</a:t>
+            </a:r>
+            <a:r>
+              <a:rPr lang="en-US" sz="1200" dirty="0">
+                <a:latin typeface="Arial" panose="020B0604020202020204" pitchFamily="34" charset="0"/>
+                <a:cs typeface="Arial" panose="020B0604020202020204" pitchFamily="34" charset="0"/>
+              </a:rPr>
+              <a:t> </a:t>
+            </a:r>
+            <a:r>
+              <a:rPr lang="en-US" sz="1200" dirty="0" err="1">
+                <a:latin typeface="Arial" panose="020B0604020202020204" pitchFamily="34" charset="0"/>
+                <a:cs typeface="Arial" panose="020B0604020202020204" pitchFamily="34" charset="0"/>
+              </a:rPr>
+              <a:t>qie</a:t>
+            </a:r>
+            <a:r>
+              <a:rPr lang="en-US" sz="1200" dirty="0">
+                <a:latin typeface="Arial" panose="020B0604020202020204" pitchFamily="34" charset="0"/>
+                <a:cs typeface="Arial" panose="020B0604020202020204" pitchFamily="34" charset="0"/>
+              </a:rPr>
+              <a:t> </a:t>
+            </a:r>
+            <a:r>
+              <a:rPr lang="en-US" sz="1200" dirty="0" err="1">
+                <a:latin typeface="Arial" panose="020B0604020202020204" pitchFamily="34" charset="0"/>
+                <a:cs typeface="Arial" panose="020B0604020202020204" pitchFamily="34" charset="0"/>
+              </a:rPr>
+              <a:t>el</a:t>
+            </a:r>
+            <a:r>
+              <a:rPr lang="en-US" sz="1200" dirty="0">
+                <a:latin typeface="Arial" panose="020B0604020202020204" pitchFamily="34" charset="0"/>
+                <a:cs typeface="Arial" panose="020B0604020202020204" pitchFamily="34" charset="0"/>
+              </a:rPr>
+              <a:t> </a:t>
+            </a:r>
+            <a:r>
+              <a:rPr lang="en-US" sz="1200" dirty="0" err="1">
+                <a:latin typeface="Arial" panose="020B0604020202020204" pitchFamily="34" charset="0"/>
+                <a:cs typeface="Arial" panose="020B0604020202020204" pitchFamily="34" charset="0"/>
+              </a:rPr>
+              <a:t>indice</a:t>
+            </a:r>
+            <a:r>
+              <a:rPr lang="en-US" sz="1200" dirty="0">
+                <a:latin typeface="Arial" panose="020B0604020202020204" pitchFamily="34" charset="0"/>
+                <a:cs typeface="Arial" panose="020B0604020202020204" pitchFamily="34" charset="0"/>
+              </a:rPr>
+              <a:t> </a:t>
+            </a:r>
+            <a:r>
+              <a:rPr lang="en-US" sz="1200" dirty="0" err="1">
+                <a:latin typeface="Arial" panose="020B0604020202020204" pitchFamily="34" charset="0"/>
+                <a:cs typeface="Arial" panose="020B0604020202020204" pitchFamily="34" charset="0"/>
+              </a:rPr>
+              <a:t>efectivo</a:t>
+            </a:r>
+            <a:r>
+              <a:rPr lang="en-US" sz="1200" dirty="0">
+                <a:latin typeface="Arial" panose="020B0604020202020204" pitchFamily="34" charset="0"/>
+                <a:cs typeface="Arial" panose="020B0604020202020204" pitchFamily="34" charset="0"/>
+              </a:rPr>
+              <a:t> </a:t>
+            </a:r>
+            <a:r>
+              <a:rPr lang="en-US" sz="1200" dirty="0" err="1">
+                <a:latin typeface="Arial" panose="020B0604020202020204" pitchFamily="34" charset="0"/>
+                <a:cs typeface="Arial" panose="020B0604020202020204" pitchFamily="34" charset="0"/>
+              </a:rPr>
+              <a:t>constante</a:t>
+            </a:r>
+            <a:r>
+              <a:rPr lang="en-US" sz="1200" dirty="0">
+                <a:latin typeface="Arial" panose="020B0604020202020204" pitchFamily="34" charset="0"/>
+                <a:cs typeface="Arial" panose="020B0604020202020204" pitchFamily="34" charset="0"/>
+              </a:rPr>
+              <a:t> es a </a:t>
+            </a:r>
+            <a:r>
+              <a:rPr lang="en-US" sz="1200" dirty="0" err="1">
+                <a:latin typeface="Arial" panose="020B0604020202020204" pitchFamily="34" charset="0"/>
+                <a:cs typeface="Arial" panose="020B0604020202020204" pitchFamily="34" charset="0"/>
+              </a:rPr>
+              <a:t>partir</a:t>
+            </a:r>
+            <a:r>
+              <a:rPr lang="en-US" sz="1200" dirty="0">
+                <a:latin typeface="Arial" panose="020B0604020202020204" pitchFamily="34" charset="0"/>
+                <a:cs typeface="Arial" panose="020B0604020202020204" pitchFamily="34" charset="0"/>
+              </a:rPr>
+              <a:t> de un grid de 50 puntos </a:t>
+            </a:r>
+            <a:r>
+              <a:rPr lang="en-US" sz="1200" dirty="0" err="1">
+                <a:latin typeface="Arial" panose="020B0604020202020204" pitchFamily="34" charset="0"/>
+                <a:cs typeface="Arial" panose="020B0604020202020204" pitchFamily="34" charset="0"/>
+              </a:rPr>
+              <a:t>por</a:t>
+            </a:r>
+            <a:r>
+              <a:rPr lang="en-US" sz="1200" dirty="0">
+                <a:latin typeface="Arial" panose="020B0604020202020204" pitchFamily="34" charset="0"/>
+                <a:cs typeface="Arial" panose="020B0604020202020204" pitchFamily="34" charset="0"/>
+              </a:rPr>
+              <a:t> micra, y se </a:t>
+            </a:r>
+            <a:r>
+              <a:rPr lang="en-US" sz="1200" dirty="0" err="1">
+                <a:latin typeface="Arial" panose="020B0604020202020204" pitchFamily="34" charset="0"/>
+                <a:cs typeface="Arial" panose="020B0604020202020204" pitchFamily="34" charset="0"/>
+              </a:rPr>
+              <a:t>estabiliza</a:t>
+            </a:r>
+            <a:r>
+              <a:rPr lang="en-US" sz="1200" dirty="0">
+                <a:latin typeface="Arial" panose="020B0604020202020204" pitchFamily="34" charset="0"/>
+                <a:cs typeface="Arial" panose="020B0604020202020204" pitchFamily="34" charset="0"/>
+              </a:rPr>
+              <a:t> </a:t>
+            </a:r>
+            <a:r>
+              <a:rPr lang="en-US" sz="1200" dirty="0" err="1">
+                <a:latin typeface="Arial" panose="020B0604020202020204" pitchFamily="34" charset="0"/>
+                <a:cs typeface="Arial" panose="020B0604020202020204" pitchFamily="34" charset="0"/>
+              </a:rPr>
+              <a:t>en</a:t>
+            </a:r>
+            <a:r>
+              <a:rPr lang="en-US" sz="1200" dirty="0">
+                <a:latin typeface="Arial" panose="020B0604020202020204" pitchFamily="34" charset="0"/>
+                <a:cs typeface="Arial" panose="020B0604020202020204" pitchFamily="34" charset="0"/>
+              </a:rPr>
+              <a:t> un valor de 1.605 </a:t>
+            </a:r>
+            <a:r>
+              <a:rPr lang="en-US" sz="1200" dirty="0" err="1">
+                <a:latin typeface="Arial" panose="020B0604020202020204" pitchFamily="34" charset="0"/>
+                <a:cs typeface="Arial" panose="020B0604020202020204" pitchFamily="34" charset="0"/>
+              </a:rPr>
+              <a:t>aproximadamente</a:t>
+            </a:r>
+            <a:r>
+              <a:rPr lang="en-US" sz="1200" dirty="0">
+                <a:latin typeface="Arial" panose="020B0604020202020204" pitchFamily="34" charset="0"/>
+                <a:cs typeface="Arial" panose="020B0604020202020204" pitchFamily="34" charset="0"/>
+              </a:rPr>
+              <a:t>.</a:t>
+            </a:r>
           </a:p>
           <a:p>
             <a:pPr algn="just"/>
+            <a:r>
+              <a:rPr lang="en-US" sz="1200" dirty="0">
+                <a:latin typeface="Arial" panose="020B0604020202020204" pitchFamily="34" charset="0"/>
+                <a:cs typeface="Arial" panose="020B0604020202020204" pitchFamily="34" charset="0"/>
+              </a:rPr>
+              <a:t>Por </a:t>
+            </a:r>
+            <a:r>
+              <a:rPr lang="en-US" sz="1200" dirty="0" err="1">
+                <a:latin typeface="Arial" panose="020B0604020202020204" pitchFamily="34" charset="0"/>
+                <a:cs typeface="Arial" panose="020B0604020202020204" pitchFamily="34" charset="0"/>
+              </a:rPr>
+              <a:t>otro</a:t>
+            </a:r>
+            <a:r>
+              <a:rPr lang="en-US" sz="1200" dirty="0">
+                <a:latin typeface="Arial" panose="020B0604020202020204" pitchFamily="34" charset="0"/>
+                <a:cs typeface="Arial" panose="020B0604020202020204" pitchFamily="34" charset="0"/>
+              </a:rPr>
+              <a:t> </a:t>
+            </a:r>
+            <a:r>
+              <a:rPr lang="en-US" sz="1200" dirty="0" err="1">
+                <a:latin typeface="Arial" panose="020B0604020202020204" pitchFamily="34" charset="0"/>
+                <a:cs typeface="Arial" panose="020B0604020202020204" pitchFamily="34" charset="0"/>
+              </a:rPr>
+              <a:t>lado</a:t>
+            </a:r>
+            <a:r>
+              <a:rPr lang="en-US" sz="1200" dirty="0">
+                <a:latin typeface="Arial" panose="020B0604020202020204" pitchFamily="34" charset="0"/>
+                <a:cs typeface="Arial" panose="020B0604020202020204" pitchFamily="34" charset="0"/>
+              </a:rPr>
+              <a:t>, </a:t>
+            </a:r>
+            <a:r>
+              <a:rPr lang="en-US" sz="1200" dirty="0" err="1">
+                <a:latin typeface="Arial" panose="020B0604020202020204" pitchFamily="34" charset="0"/>
+                <a:cs typeface="Arial" panose="020B0604020202020204" pitchFamily="34" charset="0"/>
+              </a:rPr>
+              <a:t>como</a:t>
+            </a:r>
+            <a:r>
+              <a:rPr lang="en-US" sz="1200" dirty="0">
+                <a:latin typeface="Arial" panose="020B0604020202020204" pitchFamily="34" charset="0"/>
+                <a:cs typeface="Arial" panose="020B0604020202020204" pitchFamily="34" charset="0"/>
+              </a:rPr>
+              <a:t> </a:t>
+            </a:r>
+            <a:r>
+              <a:rPr lang="en-US" sz="1200" dirty="0" err="1">
+                <a:latin typeface="Arial" panose="020B0604020202020204" pitchFamily="34" charset="0"/>
+                <a:cs typeface="Arial" panose="020B0604020202020204" pitchFamily="34" charset="0"/>
+              </a:rPr>
+              <a:t>este</a:t>
+            </a:r>
+            <a:r>
+              <a:rPr lang="en-US" sz="1200" dirty="0">
+                <a:latin typeface="Arial" panose="020B0604020202020204" pitchFamily="34" charset="0"/>
+                <a:cs typeface="Arial" panose="020B0604020202020204" pitchFamily="34" charset="0"/>
+              </a:rPr>
+              <a:t> valor de </a:t>
+            </a:r>
+            <a:r>
+              <a:rPr lang="en-US" sz="1200" dirty="0" err="1">
+                <a:latin typeface="Arial" panose="020B0604020202020204" pitchFamily="34" charset="0"/>
+                <a:cs typeface="Arial" panose="020B0604020202020204" pitchFamily="34" charset="0"/>
+              </a:rPr>
+              <a:t>indice</a:t>
+            </a:r>
+            <a:r>
+              <a:rPr lang="en-US" sz="1200" dirty="0">
+                <a:latin typeface="Arial" panose="020B0604020202020204" pitchFamily="34" charset="0"/>
+                <a:cs typeface="Arial" panose="020B0604020202020204" pitchFamily="34" charset="0"/>
+              </a:rPr>
+              <a:t> se </a:t>
+            </a:r>
+            <a:r>
+              <a:rPr lang="en-US" sz="1200" dirty="0" err="1">
+                <a:latin typeface="Arial" panose="020B0604020202020204" pitchFamily="34" charset="0"/>
+                <a:cs typeface="Arial" panose="020B0604020202020204" pitchFamily="34" charset="0"/>
+              </a:rPr>
+              <a:t>consigue</a:t>
+            </a:r>
+            <a:r>
+              <a:rPr lang="en-US" sz="1200" dirty="0">
+                <a:latin typeface="Arial" panose="020B0604020202020204" pitchFamily="34" charset="0"/>
+                <a:cs typeface="Arial" panose="020B0604020202020204" pitchFamily="34" charset="0"/>
+              </a:rPr>
+              <a:t> </a:t>
+            </a:r>
+            <a:r>
+              <a:rPr lang="en-US" sz="1200" dirty="0" err="1">
+                <a:latin typeface="Arial" panose="020B0604020202020204" pitchFamily="34" charset="0"/>
+                <a:cs typeface="Arial" panose="020B0604020202020204" pitchFamily="34" charset="0"/>
+              </a:rPr>
+              <a:t>tambien</a:t>
+            </a:r>
+            <a:r>
+              <a:rPr lang="en-US" sz="1200" dirty="0">
+                <a:latin typeface="Arial" panose="020B0604020202020204" pitchFamily="34" charset="0"/>
+                <a:cs typeface="Arial" panose="020B0604020202020204" pitchFamily="34" charset="0"/>
+              </a:rPr>
+              <a:t> </a:t>
+            </a:r>
+            <a:r>
+              <a:rPr lang="en-US" sz="1200" dirty="0" err="1">
+                <a:latin typeface="Arial" panose="020B0604020202020204" pitchFamily="34" charset="0"/>
+                <a:cs typeface="Arial" panose="020B0604020202020204" pitchFamily="34" charset="0"/>
+              </a:rPr>
+              <a:t>cuando</a:t>
+            </a:r>
+            <a:r>
+              <a:rPr lang="en-US" sz="1200" dirty="0">
+                <a:latin typeface="Arial" panose="020B0604020202020204" pitchFamily="34" charset="0"/>
+                <a:cs typeface="Arial" panose="020B0604020202020204" pitchFamily="34" charset="0"/>
+              </a:rPr>
+              <a:t> </a:t>
+            </a:r>
+            <a:r>
+              <a:rPr lang="en-US" sz="1200" dirty="0" err="1">
+                <a:latin typeface="Arial" panose="020B0604020202020204" pitchFamily="34" charset="0"/>
+                <a:cs typeface="Arial" panose="020B0604020202020204" pitchFamily="34" charset="0"/>
+              </a:rPr>
+              <a:t>el</a:t>
+            </a:r>
+            <a:r>
+              <a:rPr lang="en-US" sz="1200" dirty="0">
+                <a:latin typeface="Arial" panose="020B0604020202020204" pitchFamily="34" charset="0"/>
+                <a:cs typeface="Arial" panose="020B0604020202020204" pitchFamily="34" charset="0"/>
+              </a:rPr>
+              <a:t> grid resolution es de 20 se </a:t>
+            </a:r>
+            <a:r>
+              <a:rPr lang="en-US" sz="1200" dirty="0" err="1">
+                <a:latin typeface="Arial" panose="020B0604020202020204" pitchFamily="34" charset="0"/>
+                <a:cs typeface="Arial" panose="020B0604020202020204" pitchFamily="34" charset="0"/>
+              </a:rPr>
+              <a:t>establece</a:t>
+            </a:r>
+            <a:r>
+              <a:rPr lang="en-US" sz="1200" dirty="0">
+                <a:latin typeface="Arial" panose="020B0604020202020204" pitchFamily="34" charset="0"/>
+                <a:cs typeface="Arial" panose="020B0604020202020204" pitchFamily="34" charset="0"/>
+              </a:rPr>
+              <a:t> </a:t>
+            </a:r>
+            <a:r>
+              <a:rPr lang="en-US" sz="1200" dirty="0" err="1">
+                <a:latin typeface="Arial" panose="020B0604020202020204" pitchFamily="34" charset="0"/>
+                <a:cs typeface="Arial" panose="020B0604020202020204" pitchFamily="34" charset="0"/>
+              </a:rPr>
+              <a:t>que</a:t>
+            </a:r>
+            <a:r>
+              <a:rPr lang="en-US" sz="1200" dirty="0">
+                <a:latin typeface="Arial" panose="020B0604020202020204" pitchFamily="34" charset="0"/>
+                <a:cs typeface="Arial" panose="020B0604020202020204" pitchFamily="34" charset="0"/>
+              </a:rPr>
+              <a:t> </a:t>
+            </a:r>
+            <a:r>
+              <a:rPr lang="en-US" sz="1200" dirty="0" err="1">
+                <a:latin typeface="Arial" panose="020B0604020202020204" pitchFamily="34" charset="0"/>
+                <a:cs typeface="Arial" panose="020B0604020202020204" pitchFamily="34" charset="0"/>
+              </a:rPr>
+              <a:t>el</a:t>
+            </a:r>
+            <a:r>
+              <a:rPr lang="en-US" sz="1200" dirty="0">
+                <a:latin typeface="Arial" panose="020B0604020202020204" pitchFamily="34" charset="0"/>
+                <a:cs typeface="Arial" panose="020B0604020202020204" pitchFamily="34" charset="0"/>
+              </a:rPr>
+              <a:t> max grid scaling se </a:t>
+            </a:r>
+            <a:r>
+              <a:rPr lang="en-US" sz="1200" dirty="0" err="1">
+                <a:latin typeface="Arial" panose="020B0604020202020204" pitchFamily="34" charset="0"/>
+                <a:cs typeface="Arial" panose="020B0604020202020204" pitchFamily="34" charset="0"/>
+              </a:rPr>
+              <a:t>calcula</a:t>
+            </a:r>
+            <a:r>
+              <a:rPr lang="en-US" sz="1200" dirty="0">
+                <a:latin typeface="Arial" panose="020B0604020202020204" pitchFamily="34" charset="0"/>
+                <a:cs typeface="Arial" panose="020B0604020202020204" pitchFamily="34" charset="0"/>
+              </a:rPr>
+              <a:t> a </a:t>
+            </a:r>
+            <a:r>
+              <a:rPr lang="en-US" sz="1200" dirty="0" err="1">
+                <a:latin typeface="Arial" panose="020B0604020202020204" pitchFamily="34" charset="0"/>
+                <a:cs typeface="Arial" panose="020B0604020202020204" pitchFamily="34" charset="0"/>
+              </a:rPr>
+              <a:t>partir</a:t>
+            </a:r>
+            <a:r>
+              <a:rPr lang="en-US" sz="1200" dirty="0">
+                <a:latin typeface="Arial" panose="020B0604020202020204" pitchFamily="34" charset="0"/>
+                <a:cs typeface="Arial" panose="020B0604020202020204" pitchFamily="34" charset="0"/>
+              </a:rPr>
+              <a:t> de 20. Por </a:t>
+            </a:r>
+            <a:r>
+              <a:rPr lang="en-US" sz="1200" dirty="0" err="1">
+                <a:latin typeface="Arial" panose="020B0604020202020204" pitchFamily="34" charset="0"/>
+                <a:cs typeface="Arial" panose="020B0604020202020204" pitchFamily="34" charset="0"/>
+              </a:rPr>
+              <a:t>otro</a:t>
+            </a:r>
+            <a:r>
+              <a:rPr lang="en-US" sz="1200" dirty="0">
+                <a:latin typeface="Arial" panose="020B0604020202020204" pitchFamily="34" charset="0"/>
+                <a:cs typeface="Arial" panose="020B0604020202020204" pitchFamily="34" charset="0"/>
+              </a:rPr>
+              <a:t> </a:t>
+            </a:r>
+            <a:r>
+              <a:rPr lang="en-US" sz="1200" dirty="0" err="1">
+                <a:latin typeface="Arial" panose="020B0604020202020204" pitchFamily="34" charset="0"/>
+                <a:cs typeface="Arial" panose="020B0604020202020204" pitchFamily="34" charset="0"/>
+              </a:rPr>
+              <a:t>lado</a:t>
+            </a:r>
+            <a:r>
+              <a:rPr lang="en-US" sz="1200" dirty="0">
+                <a:latin typeface="Arial" panose="020B0604020202020204" pitchFamily="34" charset="0"/>
+                <a:cs typeface="Arial" panose="020B0604020202020204" pitchFamily="34" charset="0"/>
+              </a:rPr>
+              <a:t> </a:t>
+            </a:r>
+            <a:r>
+              <a:rPr lang="en-US" sz="1200" dirty="0" err="1">
+                <a:latin typeface="Arial" panose="020B0604020202020204" pitchFamily="34" charset="0"/>
+                <a:cs typeface="Arial" panose="020B0604020202020204" pitchFamily="34" charset="0"/>
+              </a:rPr>
+              <a:t>en</a:t>
+            </a:r>
+            <a:r>
+              <a:rPr lang="en-US" sz="1200" dirty="0">
+                <a:latin typeface="Arial" panose="020B0604020202020204" pitchFamily="34" charset="0"/>
+                <a:cs typeface="Arial" panose="020B0604020202020204" pitchFamily="34" charset="0"/>
+              </a:rPr>
+              <a:t> </a:t>
+            </a:r>
+            <a:r>
+              <a:rPr lang="en-US" sz="1200" dirty="0" err="1">
+                <a:latin typeface="Arial" panose="020B0604020202020204" pitchFamily="34" charset="0"/>
+                <a:cs typeface="Arial" panose="020B0604020202020204" pitchFamily="34" charset="0"/>
+              </a:rPr>
+              <a:t>el</a:t>
+            </a:r>
+            <a:r>
+              <a:rPr lang="en-US" sz="1200" dirty="0">
+                <a:latin typeface="Arial" panose="020B0604020202020204" pitchFamily="34" charset="0"/>
+                <a:cs typeface="Arial" panose="020B0604020202020204" pitchFamily="34" charset="0"/>
+              </a:rPr>
+              <a:t> max grid scaling se </a:t>
+            </a:r>
+            <a:r>
+              <a:rPr lang="en-US" sz="1200" dirty="0" err="1">
+                <a:latin typeface="Arial" panose="020B0604020202020204" pitchFamily="34" charset="0"/>
+                <a:cs typeface="Arial" panose="020B0604020202020204" pitchFamily="34" charset="0"/>
+              </a:rPr>
+              <a:t>empieza</a:t>
+            </a:r>
+            <a:r>
+              <a:rPr lang="en-US" sz="1200" dirty="0">
+                <a:latin typeface="Arial" panose="020B0604020202020204" pitchFamily="34" charset="0"/>
+                <a:cs typeface="Arial" panose="020B0604020202020204" pitchFamily="34" charset="0"/>
+              </a:rPr>
+              <a:t> a </a:t>
+            </a:r>
+            <a:r>
+              <a:rPr lang="en-US" sz="1200" dirty="0" err="1">
+                <a:latin typeface="Arial" panose="020B0604020202020204" pitchFamily="34" charset="0"/>
+                <a:cs typeface="Arial" panose="020B0604020202020204" pitchFamily="34" charset="0"/>
+              </a:rPr>
+              <a:t>hacer</a:t>
+            </a:r>
+            <a:r>
+              <a:rPr lang="en-US" sz="1200" dirty="0">
+                <a:latin typeface="Arial" panose="020B0604020202020204" pitchFamily="34" charset="0"/>
+                <a:cs typeface="Arial" panose="020B0604020202020204" pitchFamily="34" charset="0"/>
+              </a:rPr>
+              <a:t> </a:t>
+            </a:r>
+            <a:r>
+              <a:rPr lang="en-US" sz="1200" dirty="0" err="1">
+                <a:latin typeface="Arial" panose="020B0604020202020204" pitchFamily="34" charset="0"/>
+                <a:cs typeface="Arial" panose="020B0604020202020204" pitchFamily="34" charset="0"/>
+              </a:rPr>
+              <a:t>constante</a:t>
+            </a:r>
+            <a:r>
+              <a:rPr lang="en-US" sz="1200" dirty="0">
+                <a:latin typeface="Arial" panose="020B0604020202020204" pitchFamily="34" charset="0"/>
+                <a:cs typeface="Arial" panose="020B0604020202020204" pitchFamily="34" charset="0"/>
+              </a:rPr>
+              <a:t> a </a:t>
+            </a:r>
+            <a:r>
+              <a:rPr lang="en-US" sz="1200" dirty="0" err="1">
+                <a:latin typeface="Arial" panose="020B0604020202020204" pitchFamily="34" charset="0"/>
+                <a:cs typeface="Arial" panose="020B0604020202020204" pitchFamily="34" charset="0"/>
+              </a:rPr>
+              <a:t>partit</a:t>
+            </a:r>
+            <a:r>
+              <a:rPr lang="en-US" sz="1200">
+                <a:latin typeface="Arial" panose="020B0604020202020204" pitchFamily="34" charset="0"/>
+                <a:cs typeface="Arial" panose="020B0604020202020204" pitchFamily="34" charset="0"/>
+              </a:rPr>
+              <a:t> de un max grid de 1.5.</a:t>
+            </a:r>
             <a:endParaRPr lang="en-US" sz="1200" dirty="0">
               <a:latin typeface="Arial" panose="020B0604020202020204" pitchFamily="34" charset="0"/>
               <a:cs typeface="Arial" panose="020B0604020202020204" pitchFamily="34" charset="0"/>
@@ -5278,6 +5750,66 @@
           </a:p>
         </p:txBody>
       </p:sp>
+      <p:pic>
+        <p:nvPicPr>
+          <p:cNvPr id="7" name="Imagen 6" descr="Gráfico, Gráfico de líneas&#10;&#10;El contenido generado por IA puede ser incorrecto.">
+            <a:extLst>
+              <a:ext uri="{FF2B5EF4-FFF2-40B4-BE49-F238E27FC236}">
+                <a16:creationId xmlns:a16="http://schemas.microsoft.com/office/drawing/2014/main" id="{8BDC07C1-0522-B124-F628-B2B2A1425336}"/>
+              </a:ext>
+            </a:extLst>
+          </p:cNvPr>
+          <p:cNvPicPr>
+            <a:picLocks noChangeAspect="1"/>
+          </p:cNvPicPr>
+          <p:nvPr/>
+        </p:nvPicPr>
+        <p:blipFill>
+          <a:blip r:embed="rId5"/>
+          <a:stretch>
+            <a:fillRect/>
+          </a:stretch>
+        </p:blipFill>
+        <p:spPr>
+          <a:xfrm>
+            <a:off x="570213" y="1688851"/>
+            <a:ext cx="5639214" cy="3108228"/>
+          </a:xfrm>
+          <a:prstGeom prst="rect">
+            <a:avLst/>
+          </a:prstGeom>
+        </p:spPr>
+      </p:pic>
+      <p:pic>
+        <p:nvPicPr>
+          <p:cNvPr id="11" name="Imagen 10" descr="Gráfico, Gráfico de líneas&#10;&#10;El contenido generado por IA puede ser incorrecto.">
+            <a:extLst>
+              <a:ext uri="{FF2B5EF4-FFF2-40B4-BE49-F238E27FC236}">
+                <a16:creationId xmlns:a16="http://schemas.microsoft.com/office/drawing/2014/main" id="{BEA49D36-F261-4B37-A3B5-D8DED63956A7}"/>
+              </a:ext>
+            </a:extLst>
+          </p:cNvPr>
+          <p:cNvPicPr>
+            <a:picLocks noChangeAspect="1"/>
+          </p:cNvPicPr>
+          <p:nvPr/>
+        </p:nvPicPr>
+        <p:blipFill>
+          <a:blip r:embed="rId6"/>
+          <a:stretch>
+            <a:fillRect/>
+          </a:stretch>
+        </p:blipFill>
+        <p:spPr>
+          <a:xfrm>
+            <a:off x="6322853" y="1476780"/>
+            <a:ext cx="5486560" cy="3024088"/>
+          </a:xfrm>
+          <a:prstGeom prst="rect">
+            <a:avLst/>
+          </a:prstGeom>
+        </p:spPr>
+      </p:pic>
     </p:spTree>
     <p:extLst>
       <p:ext uri="{BB962C8B-B14F-4D97-AF65-F5344CB8AC3E}">
@@ -5708,8 +6240,8 @@
           <a:chExt cx="0" cy="0"/>
         </a:xfrm>
       </p:grpSpPr>
-      <mc:AlternateContent xmlns:mc="http://schemas.openxmlformats.org/markup-compatibility/2006">
-        <mc:Choice xmlns:a14="http://schemas.microsoft.com/office/drawing/2010/main" Requires="a14">
+      <mc:AlternateContent xmlns:mc="http://schemas.openxmlformats.org/markup-compatibility/2006" xmlns:a14="http://schemas.microsoft.com/office/drawing/2010/main">
+        <mc:Choice Requires="a14">
           <p:sp>
             <p:nvSpPr>
               <p:cNvPr id="16" name="object 16">
@@ -6036,7 +6568,7 @@
             </p:txBody>
           </p:sp>
         </mc:Choice>
-        <mc:Fallback>
+        <mc:Fallback xmlns="">
           <p:sp>
             <p:nvSpPr>
               <p:cNvPr id="16" name="object 16">

--- a/LabBook_10.pptx
+++ b/LabBook_10.pptx
@@ -5,10 +5,10 @@
     <p:sldMasterId id="2147483648" r:id="rId1"/>
   </p:sldMasterIdLst>
   <p:notesMasterIdLst>
-    <p:notesMasterId r:id="rId9"/>
+    <p:notesMasterId r:id="rId10"/>
   </p:notesMasterIdLst>
   <p:handoutMasterIdLst>
-    <p:handoutMasterId r:id="rId10"/>
+    <p:handoutMasterId r:id="rId11"/>
   </p:handoutMasterIdLst>
   <p:sldIdLst>
     <p:sldId id="256" r:id="rId2"/>
@@ -16,8 +16,9 @@
     <p:sldId id="290" r:id="rId4"/>
     <p:sldId id="292" r:id="rId5"/>
     <p:sldId id="297" r:id="rId6"/>
-    <p:sldId id="293" r:id="rId7"/>
-    <p:sldId id="288" r:id="rId8"/>
+    <p:sldId id="298" r:id="rId7"/>
+    <p:sldId id="293" r:id="rId8"/>
+    <p:sldId id="288" r:id="rId9"/>
   </p:sldIdLst>
   <p:sldSz cx="12192000" cy="6858000"/>
   <p:notesSz cx="12192000" cy="6858000"/>
@@ -1225,7 +1226,7 @@
           <a:p>
             <a:fld id="{676223B9-C868-4436-87D9-1A3152E1157A}" type="slidenum">
               <a:rPr lang="es-ES" smtClean="0"/>
-              <a:t>6</a:t>
+              <a:t>7</a:t>
             </a:fld>
             <a:endParaRPr lang="es-ES"/>
           </a:p>
@@ -5092,7 +5093,7 @@
         <p:spPr>
           <a:xfrm>
             <a:off x="609441" y="4860334"/>
-            <a:ext cx="11199971" cy="1569660"/>
+            <a:ext cx="11199971" cy="1384995"/>
           </a:xfrm>
           <a:prstGeom prst="rect">
             <a:avLst/>
@@ -5125,485 +5126,6 @@
           </a:p>
           <a:p>
             <a:pPr algn="just"/>
-            <a:r>
-              <a:rPr lang="en-US" sz="1200" dirty="0">
-                <a:latin typeface="Arial" panose="020B0604020202020204" pitchFamily="34" charset="0"/>
-                <a:cs typeface="Arial" panose="020B0604020202020204" pitchFamily="34" charset="0"/>
-              </a:rPr>
-              <a:t>Se </a:t>
-            </a:r>
-            <a:r>
-              <a:rPr lang="en-US" sz="1200" dirty="0" err="1">
-                <a:latin typeface="Arial" panose="020B0604020202020204" pitchFamily="34" charset="0"/>
-                <a:cs typeface="Arial" panose="020B0604020202020204" pitchFamily="34" charset="0"/>
-              </a:rPr>
-              <a:t>observa</a:t>
-            </a:r>
-            <a:r>
-              <a:rPr lang="en-US" sz="1200" dirty="0">
-                <a:latin typeface="Arial" panose="020B0604020202020204" pitchFamily="34" charset="0"/>
-                <a:cs typeface="Arial" panose="020B0604020202020204" pitchFamily="34" charset="0"/>
-              </a:rPr>
-              <a:t> </a:t>
-            </a:r>
-            <a:r>
-              <a:rPr lang="en-US" sz="1200" dirty="0" err="1">
-                <a:latin typeface="Arial" panose="020B0604020202020204" pitchFamily="34" charset="0"/>
-                <a:cs typeface="Arial" panose="020B0604020202020204" pitchFamily="34" charset="0"/>
-              </a:rPr>
-              <a:t>qie</a:t>
-            </a:r>
-            <a:r>
-              <a:rPr lang="en-US" sz="1200" dirty="0">
-                <a:latin typeface="Arial" panose="020B0604020202020204" pitchFamily="34" charset="0"/>
-                <a:cs typeface="Arial" panose="020B0604020202020204" pitchFamily="34" charset="0"/>
-              </a:rPr>
-              <a:t> </a:t>
-            </a:r>
-            <a:r>
-              <a:rPr lang="en-US" sz="1200" dirty="0" err="1">
-                <a:latin typeface="Arial" panose="020B0604020202020204" pitchFamily="34" charset="0"/>
-                <a:cs typeface="Arial" panose="020B0604020202020204" pitchFamily="34" charset="0"/>
-              </a:rPr>
-              <a:t>el</a:t>
-            </a:r>
-            <a:r>
-              <a:rPr lang="en-US" sz="1200" dirty="0">
-                <a:latin typeface="Arial" panose="020B0604020202020204" pitchFamily="34" charset="0"/>
-                <a:cs typeface="Arial" panose="020B0604020202020204" pitchFamily="34" charset="0"/>
-              </a:rPr>
-              <a:t> </a:t>
-            </a:r>
-            <a:r>
-              <a:rPr lang="en-US" sz="1200" dirty="0" err="1">
-                <a:latin typeface="Arial" panose="020B0604020202020204" pitchFamily="34" charset="0"/>
-                <a:cs typeface="Arial" panose="020B0604020202020204" pitchFamily="34" charset="0"/>
-              </a:rPr>
-              <a:t>indice</a:t>
-            </a:r>
-            <a:r>
-              <a:rPr lang="en-US" sz="1200" dirty="0">
-                <a:latin typeface="Arial" panose="020B0604020202020204" pitchFamily="34" charset="0"/>
-                <a:cs typeface="Arial" panose="020B0604020202020204" pitchFamily="34" charset="0"/>
-              </a:rPr>
-              <a:t> </a:t>
-            </a:r>
-            <a:r>
-              <a:rPr lang="en-US" sz="1200" dirty="0" err="1">
-                <a:latin typeface="Arial" panose="020B0604020202020204" pitchFamily="34" charset="0"/>
-                <a:cs typeface="Arial" panose="020B0604020202020204" pitchFamily="34" charset="0"/>
-              </a:rPr>
-              <a:t>efectivo</a:t>
-            </a:r>
-            <a:r>
-              <a:rPr lang="en-US" sz="1200" dirty="0">
-                <a:latin typeface="Arial" panose="020B0604020202020204" pitchFamily="34" charset="0"/>
-                <a:cs typeface="Arial" panose="020B0604020202020204" pitchFamily="34" charset="0"/>
-              </a:rPr>
-              <a:t> </a:t>
-            </a:r>
-            <a:r>
-              <a:rPr lang="en-US" sz="1200" dirty="0" err="1">
-                <a:latin typeface="Arial" panose="020B0604020202020204" pitchFamily="34" charset="0"/>
-                <a:cs typeface="Arial" panose="020B0604020202020204" pitchFamily="34" charset="0"/>
-              </a:rPr>
-              <a:t>constante</a:t>
-            </a:r>
-            <a:r>
-              <a:rPr lang="en-US" sz="1200" dirty="0">
-                <a:latin typeface="Arial" panose="020B0604020202020204" pitchFamily="34" charset="0"/>
-                <a:cs typeface="Arial" panose="020B0604020202020204" pitchFamily="34" charset="0"/>
-              </a:rPr>
-              <a:t> es a </a:t>
-            </a:r>
-            <a:r>
-              <a:rPr lang="en-US" sz="1200" dirty="0" err="1">
-                <a:latin typeface="Arial" panose="020B0604020202020204" pitchFamily="34" charset="0"/>
-                <a:cs typeface="Arial" panose="020B0604020202020204" pitchFamily="34" charset="0"/>
-              </a:rPr>
-              <a:t>partir</a:t>
-            </a:r>
-            <a:r>
-              <a:rPr lang="en-US" sz="1200" dirty="0">
-                <a:latin typeface="Arial" panose="020B0604020202020204" pitchFamily="34" charset="0"/>
-                <a:cs typeface="Arial" panose="020B0604020202020204" pitchFamily="34" charset="0"/>
-              </a:rPr>
-              <a:t> de un grid de 50 puntos </a:t>
-            </a:r>
-            <a:r>
-              <a:rPr lang="en-US" sz="1200" dirty="0" err="1">
-                <a:latin typeface="Arial" panose="020B0604020202020204" pitchFamily="34" charset="0"/>
-                <a:cs typeface="Arial" panose="020B0604020202020204" pitchFamily="34" charset="0"/>
-              </a:rPr>
-              <a:t>por</a:t>
-            </a:r>
-            <a:r>
-              <a:rPr lang="en-US" sz="1200" dirty="0">
-                <a:latin typeface="Arial" panose="020B0604020202020204" pitchFamily="34" charset="0"/>
-                <a:cs typeface="Arial" panose="020B0604020202020204" pitchFamily="34" charset="0"/>
-              </a:rPr>
-              <a:t> micra, y se </a:t>
-            </a:r>
-            <a:r>
-              <a:rPr lang="en-US" sz="1200" dirty="0" err="1">
-                <a:latin typeface="Arial" panose="020B0604020202020204" pitchFamily="34" charset="0"/>
-                <a:cs typeface="Arial" panose="020B0604020202020204" pitchFamily="34" charset="0"/>
-              </a:rPr>
-              <a:t>estabiliza</a:t>
-            </a:r>
-            <a:r>
-              <a:rPr lang="en-US" sz="1200" dirty="0">
-                <a:latin typeface="Arial" panose="020B0604020202020204" pitchFamily="34" charset="0"/>
-                <a:cs typeface="Arial" panose="020B0604020202020204" pitchFamily="34" charset="0"/>
-              </a:rPr>
-              <a:t> </a:t>
-            </a:r>
-            <a:r>
-              <a:rPr lang="en-US" sz="1200" dirty="0" err="1">
-                <a:latin typeface="Arial" panose="020B0604020202020204" pitchFamily="34" charset="0"/>
-                <a:cs typeface="Arial" panose="020B0604020202020204" pitchFamily="34" charset="0"/>
-              </a:rPr>
-              <a:t>en</a:t>
-            </a:r>
-            <a:r>
-              <a:rPr lang="en-US" sz="1200" dirty="0">
-                <a:latin typeface="Arial" panose="020B0604020202020204" pitchFamily="34" charset="0"/>
-                <a:cs typeface="Arial" panose="020B0604020202020204" pitchFamily="34" charset="0"/>
-              </a:rPr>
-              <a:t> un valor de 1.605 </a:t>
-            </a:r>
-            <a:r>
-              <a:rPr lang="en-US" sz="1200" dirty="0" err="1">
-                <a:latin typeface="Arial" panose="020B0604020202020204" pitchFamily="34" charset="0"/>
-                <a:cs typeface="Arial" panose="020B0604020202020204" pitchFamily="34" charset="0"/>
-              </a:rPr>
-              <a:t>aproximadamente</a:t>
-            </a:r>
-            <a:r>
-              <a:rPr lang="en-US" sz="1200" dirty="0">
-                <a:latin typeface="Arial" panose="020B0604020202020204" pitchFamily="34" charset="0"/>
-                <a:cs typeface="Arial" panose="020B0604020202020204" pitchFamily="34" charset="0"/>
-              </a:rPr>
-              <a:t>.</a:t>
-            </a:r>
-          </a:p>
-          <a:p>
-            <a:pPr algn="just"/>
-            <a:r>
-              <a:rPr lang="en-US" sz="1200" dirty="0">
-                <a:latin typeface="Arial" panose="020B0604020202020204" pitchFamily="34" charset="0"/>
-                <a:cs typeface="Arial" panose="020B0604020202020204" pitchFamily="34" charset="0"/>
-              </a:rPr>
-              <a:t>Por </a:t>
-            </a:r>
-            <a:r>
-              <a:rPr lang="en-US" sz="1200" dirty="0" err="1">
-                <a:latin typeface="Arial" panose="020B0604020202020204" pitchFamily="34" charset="0"/>
-                <a:cs typeface="Arial" panose="020B0604020202020204" pitchFamily="34" charset="0"/>
-              </a:rPr>
-              <a:t>otro</a:t>
-            </a:r>
-            <a:r>
-              <a:rPr lang="en-US" sz="1200" dirty="0">
-                <a:latin typeface="Arial" panose="020B0604020202020204" pitchFamily="34" charset="0"/>
-                <a:cs typeface="Arial" panose="020B0604020202020204" pitchFamily="34" charset="0"/>
-              </a:rPr>
-              <a:t> </a:t>
-            </a:r>
-            <a:r>
-              <a:rPr lang="en-US" sz="1200" dirty="0" err="1">
-                <a:latin typeface="Arial" panose="020B0604020202020204" pitchFamily="34" charset="0"/>
-                <a:cs typeface="Arial" panose="020B0604020202020204" pitchFamily="34" charset="0"/>
-              </a:rPr>
-              <a:t>lado</a:t>
-            </a:r>
-            <a:r>
-              <a:rPr lang="en-US" sz="1200" dirty="0">
-                <a:latin typeface="Arial" panose="020B0604020202020204" pitchFamily="34" charset="0"/>
-                <a:cs typeface="Arial" panose="020B0604020202020204" pitchFamily="34" charset="0"/>
-              </a:rPr>
-              <a:t>, </a:t>
-            </a:r>
-            <a:r>
-              <a:rPr lang="en-US" sz="1200" dirty="0" err="1">
-                <a:latin typeface="Arial" panose="020B0604020202020204" pitchFamily="34" charset="0"/>
-                <a:cs typeface="Arial" panose="020B0604020202020204" pitchFamily="34" charset="0"/>
-              </a:rPr>
-              <a:t>como</a:t>
-            </a:r>
-            <a:r>
-              <a:rPr lang="en-US" sz="1200" dirty="0">
-                <a:latin typeface="Arial" panose="020B0604020202020204" pitchFamily="34" charset="0"/>
-                <a:cs typeface="Arial" panose="020B0604020202020204" pitchFamily="34" charset="0"/>
-              </a:rPr>
-              <a:t> </a:t>
-            </a:r>
-            <a:r>
-              <a:rPr lang="en-US" sz="1200" dirty="0" err="1">
-                <a:latin typeface="Arial" panose="020B0604020202020204" pitchFamily="34" charset="0"/>
-                <a:cs typeface="Arial" panose="020B0604020202020204" pitchFamily="34" charset="0"/>
-              </a:rPr>
-              <a:t>este</a:t>
-            </a:r>
-            <a:r>
-              <a:rPr lang="en-US" sz="1200" dirty="0">
-                <a:latin typeface="Arial" panose="020B0604020202020204" pitchFamily="34" charset="0"/>
-                <a:cs typeface="Arial" panose="020B0604020202020204" pitchFamily="34" charset="0"/>
-              </a:rPr>
-              <a:t> valor de </a:t>
-            </a:r>
-            <a:r>
-              <a:rPr lang="en-US" sz="1200" dirty="0" err="1">
-                <a:latin typeface="Arial" panose="020B0604020202020204" pitchFamily="34" charset="0"/>
-                <a:cs typeface="Arial" panose="020B0604020202020204" pitchFamily="34" charset="0"/>
-              </a:rPr>
-              <a:t>indice</a:t>
-            </a:r>
-            <a:r>
-              <a:rPr lang="en-US" sz="1200" dirty="0">
-                <a:latin typeface="Arial" panose="020B0604020202020204" pitchFamily="34" charset="0"/>
-                <a:cs typeface="Arial" panose="020B0604020202020204" pitchFamily="34" charset="0"/>
-              </a:rPr>
-              <a:t> se </a:t>
-            </a:r>
-            <a:r>
-              <a:rPr lang="en-US" sz="1200" dirty="0" err="1">
-                <a:latin typeface="Arial" panose="020B0604020202020204" pitchFamily="34" charset="0"/>
-                <a:cs typeface="Arial" panose="020B0604020202020204" pitchFamily="34" charset="0"/>
-              </a:rPr>
-              <a:t>consigue</a:t>
-            </a:r>
-            <a:r>
-              <a:rPr lang="en-US" sz="1200" dirty="0">
-                <a:latin typeface="Arial" panose="020B0604020202020204" pitchFamily="34" charset="0"/>
-                <a:cs typeface="Arial" panose="020B0604020202020204" pitchFamily="34" charset="0"/>
-              </a:rPr>
-              <a:t> </a:t>
-            </a:r>
-            <a:r>
-              <a:rPr lang="en-US" sz="1200" dirty="0" err="1">
-                <a:latin typeface="Arial" panose="020B0604020202020204" pitchFamily="34" charset="0"/>
-                <a:cs typeface="Arial" panose="020B0604020202020204" pitchFamily="34" charset="0"/>
-              </a:rPr>
-              <a:t>tambien</a:t>
-            </a:r>
-            <a:r>
-              <a:rPr lang="en-US" sz="1200" dirty="0">
-                <a:latin typeface="Arial" panose="020B0604020202020204" pitchFamily="34" charset="0"/>
-                <a:cs typeface="Arial" panose="020B0604020202020204" pitchFamily="34" charset="0"/>
-              </a:rPr>
-              <a:t> </a:t>
-            </a:r>
-            <a:r>
-              <a:rPr lang="en-US" sz="1200" dirty="0" err="1">
-                <a:latin typeface="Arial" panose="020B0604020202020204" pitchFamily="34" charset="0"/>
-                <a:cs typeface="Arial" panose="020B0604020202020204" pitchFamily="34" charset="0"/>
-              </a:rPr>
-              <a:t>cuando</a:t>
-            </a:r>
-            <a:r>
-              <a:rPr lang="en-US" sz="1200" dirty="0">
-                <a:latin typeface="Arial" panose="020B0604020202020204" pitchFamily="34" charset="0"/>
-                <a:cs typeface="Arial" panose="020B0604020202020204" pitchFamily="34" charset="0"/>
-              </a:rPr>
-              <a:t> </a:t>
-            </a:r>
-            <a:r>
-              <a:rPr lang="en-US" sz="1200" dirty="0" err="1">
-                <a:latin typeface="Arial" panose="020B0604020202020204" pitchFamily="34" charset="0"/>
-                <a:cs typeface="Arial" panose="020B0604020202020204" pitchFamily="34" charset="0"/>
-              </a:rPr>
-              <a:t>el</a:t>
-            </a:r>
-            <a:r>
-              <a:rPr lang="en-US" sz="1200" dirty="0">
-                <a:latin typeface="Arial" panose="020B0604020202020204" pitchFamily="34" charset="0"/>
-                <a:cs typeface="Arial" panose="020B0604020202020204" pitchFamily="34" charset="0"/>
-              </a:rPr>
-              <a:t> grid resolution es de 20 se </a:t>
-            </a:r>
-            <a:r>
-              <a:rPr lang="en-US" sz="1200" dirty="0" err="1">
-                <a:latin typeface="Arial" panose="020B0604020202020204" pitchFamily="34" charset="0"/>
-                <a:cs typeface="Arial" panose="020B0604020202020204" pitchFamily="34" charset="0"/>
-              </a:rPr>
-              <a:t>establece</a:t>
-            </a:r>
-            <a:r>
-              <a:rPr lang="en-US" sz="1200" dirty="0">
-                <a:latin typeface="Arial" panose="020B0604020202020204" pitchFamily="34" charset="0"/>
-                <a:cs typeface="Arial" panose="020B0604020202020204" pitchFamily="34" charset="0"/>
-              </a:rPr>
-              <a:t> </a:t>
-            </a:r>
-            <a:r>
-              <a:rPr lang="en-US" sz="1200" dirty="0" err="1">
-                <a:latin typeface="Arial" panose="020B0604020202020204" pitchFamily="34" charset="0"/>
-                <a:cs typeface="Arial" panose="020B0604020202020204" pitchFamily="34" charset="0"/>
-              </a:rPr>
-              <a:t>que</a:t>
-            </a:r>
-            <a:r>
-              <a:rPr lang="en-US" sz="1200" dirty="0">
-                <a:latin typeface="Arial" panose="020B0604020202020204" pitchFamily="34" charset="0"/>
-                <a:cs typeface="Arial" panose="020B0604020202020204" pitchFamily="34" charset="0"/>
-              </a:rPr>
-              <a:t> </a:t>
-            </a:r>
-            <a:r>
-              <a:rPr lang="en-US" sz="1200" dirty="0" err="1">
-                <a:latin typeface="Arial" panose="020B0604020202020204" pitchFamily="34" charset="0"/>
-                <a:cs typeface="Arial" panose="020B0604020202020204" pitchFamily="34" charset="0"/>
-              </a:rPr>
-              <a:t>el</a:t>
-            </a:r>
-            <a:r>
-              <a:rPr lang="en-US" sz="1200" dirty="0">
-                <a:latin typeface="Arial" panose="020B0604020202020204" pitchFamily="34" charset="0"/>
-                <a:cs typeface="Arial" panose="020B0604020202020204" pitchFamily="34" charset="0"/>
-              </a:rPr>
-              <a:t> max grid scaling se </a:t>
-            </a:r>
-            <a:r>
-              <a:rPr lang="en-US" sz="1200" dirty="0" err="1">
-                <a:latin typeface="Arial" panose="020B0604020202020204" pitchFamily="34" charset="0"/>
-                <a:cs typeface="Arial" panose="020B0604020202020204" pitchFamily="34" charset="0"/>
-              </a:rPr>
-              <a:t>calcula</a:t>
-            </a:r>
-            <a:r>
-              <a:rPr lang="en-US" sz="1200" dirty="0">
-                <a:latin typeface="Arial" panose="020B0604020202020204" pitchFamily="34" charset="0"/>
-                <a:cs typeface="Arial" panose="020B0604020202020204" pitchFamily="34" charset="0"/>
-              </a:rPr>
-              <a:t> a </a:t>
-            </a:r>
-            <a:r>
-              <a:rPr lang="en-US" sz="1200" dirty="0" err="1">
-                <a:latin typeface="Arial" panose="020B0604020202020204" pitchFamily="34" charset="0"/>
-                <a:cs typeface="Arial" panose="020B0604020202020204" pitchFamily="34" charset="0"/>
-              </a:rPr>
-              <a:t>partir</a:t>
-            </a:r>
-            <a:r>
-              <a:rPr lang="en-US" sz="1200" dirty="0">
-                <a:latin typeface="Arial" panose="020B0604020202020204" pitchFamily="34" charset="0"/>
-                <a:cs typeface="Arial" panose="020B0604020202020204" pitchFamily="34" charset="0"/>
-              </a:rPr>
-              <a:t> de 20. Por </a:t>
-            </a:r>
-            <a:r>
-              <a:rPr lang="en-US" sz="1200" dirty="0" err="1">
-                <a:latin typeface="Arial" panose="020B0604020202020204" pitchFamily="34" charset="0"/>
-                <a:cs typeface="Arial" panose="020B0604020202020204" pitchFamily="34" charset="0"/>
-              </a:rPr>
-              <a:t>otro</a:t>
-            </a:r>
-            <a:r>
-              <a:rPr lang="en-US" sz="1200" dirty="0">
-                <a:latin typeface="Arial" panose="020B0604020202020204" pitchFamily="34" charset="0"/>
-                <a:cs typeface="Arial" panose="020B0604020202020204" pitchFamily="34" charset="0"/>
-              </a:rPr>
-              <a:t> </a:t>
-            </a:r>
-            <a:r>
-              <a:rPr lang="en-US" sz="1200" dirty="0" err="1">
-                <a:latin typeface="Arial" panose="020B0604020202020204" pitchFamily="34" charset="0"/>
-                <a:cs typeface="Arial" panose="020B0604020202020204" pitchFamily="34" charset="0"/>
-              </a:rPr>
-              <a:t>lado</a:t>
-            </a:r>
-            <a:r>
-              <a:rPr lang="en-US" sz="1200" dirty="0">
-                <a:latin typeface="Arial" panose="020B0604020202020204" pitchFamily="34" charset="0"/>
-                <a:cs typeface="Arial" panose="020B0604020202020204" pitchFamily="34" charset="0"/>
-              </a:rPr>
-              <a:t> </a:t>
-            </a:r>
-            <a:r>
-              <a:rPr lang="en-US" sz="1200" dirty="0" err="1">
-                <a:latin typeface="Arial" panose="020B0604020202020204" pitchFamily="34" charset="0"/>
-                <a:cs typeface="Arial" panose="020B0604020202020204" pitchFamily="34" charset="0"/>
-              </a:rPr>
-              <a:t>en</a:t>
-            </a:r>
-            <a:r>
-              <a:rPr lang="en-US" sz="1200" dirty="0">
-                <a:latin typeface="Arial" panose="020B0604020202020204" pitchFamily="34" charset="0"/>
-                <a:cs typeface="Arial" panose="020B0604020202020204" pitchFamily="34" charset="0"/>
-              </a:rPr>
-              <a:t> </a:t>
-            </a:r>
-            <a:r>
-              <a:rPr lang="en-US" sz="1200" dirty="0" err="1">
-                <a:latin typeface="Arial" panose="020B0604020202020204" pitchFamily="34" charset="0"/>
-                <a:cs typeface="Arial" panose="020B0604020202020204" pitchFamily="34" charset="0"/>
-              </a:rPr>
-              <a:t>el</a:t>
-            </a:r>
-            <a:r>
-              <a:rPr lang="en-US" sz="1200" dirty="0">
-                <a:latin typeface="Arial" panose="020B0604020202020204" pitchFamily="34" charset="0"/>
-                <a:cs typeface="Arial" panose="020B0604020202020204" pitchFamily="34" charset="0"/>
-              </a:rPr>
-              <a:t> max grid scaling se </a:t>
-            </a:r>
-            <a:r>
-              <a:rPr lang="en-US" sz="1200" dirty="0" err="1">
-                <a:latin typeface="Arial" panose="020B0604020202020204" pitchFamily="34" charset="0"/>
-                <a:cs typeface="Arial" panose="020B0604020202020204" pitchFamily="34" charset="0"/>
-              </a:rPr>
-              <a:t>empieza</a:t>
-            </a:r>
-            <a:r>
-              <a:rPr lang="en-US" sz="1200" dirty="0">
-                <a:latin typeface="Arial" panose="020B0604020202020204" pitchFamily="34" charset="0"/>
-                <a:cs typeface="Arial" panose="020B0604020202020204" pitchFamily="34" charset="0"/>
-              </a:rPr>
-              <a:t> a </a:t>
-            </a:r>
-            <a:r>
-              <a:rPr lang="en-US" sz="1200" dirty="0" err="1">
-                <a:latin typeface="Arial" panose="020B0604020202020204" pitchFamily="34" charset="0"/>
-                <a:cs typeface="Arial" panose="020B0604020202020204" pitchFamily="34" charset="0"/>
-              </a:rPr>
-              <a:t>hacer</a:t>
-            </a:r>
-            <a:r>
-              <a:rPr lang="en-US" sz="1200" dirty="0">
-                <a:latin typeface="Arial" panose="020B0604020202020204" pitchFamily="34" charset="0"/>
-                <a:cs typeface="Arial" panose="020B0604020202020204" pitchFamily="34" charset="0"/>
-              </a:rPr>
-              <a:t> </a:t>
-            </a:r>
-            <a:r>
-              <a:rPr lang="en-US" sz="1200" dirty="0" err="1">
-                <a:latin typeface="Arial" panose="020B0604020202020204" pitchFamily="34" charset="0"/>
-                <a:cs typeface="Arial" panose="020B0604020202020204" pitchFamily="34" charset="0"/>
-              </a:rPr>
-              <a:t>constante</a:t>
-            </a:r>
-            <a:r>
-              <a:rPr lang="en-US" sz="1200" dirty="0">
-                <a:latin typeface="Arial" panose="020B0604020202020204" pitchFamily="34" charset="0"/>
-                <a:cs typeface="Arial" panose="020B0604020202020204" pitchFamily="34" charset="0"/>
-              </a:rPr>
-              <a:t> a </a:t>
-            </a:r>
-            <a:r>
-              <a:rPr lang="en-US" sz="1200" dirty="0" err="1">
-                <a:latin typeface="Arial" panose="020B0604020202020204" pitchFamily="34" charset="0"/>
-                <a:cs typeface="Arial" panose="020B0604020202020204" pitchFamily="34" charset="0"/>
-              </a:rPr>
-              <a:t>partit</a:t>
-            </a:r>
-            <a:r>
-              <a:rPr lang="en-US" sz="1200">
-                <a:latin typeface="Arial" panose="020B0604020202020204" pitchFamily="34" charset="0"/>
-                <a:cs typeface="Arial" panose="020B0604020202020204" pitchFamily="34" charset="0"/>
-              </a:rPr>
-              <a:t> de un max grid de 1.5.</a:t>
-            </a:r>
             <a:endParaRPr lang="en-US" sz="1200" dirty="0">
               <a:latin typeface="Arial" panose="020B0604020202020204" pitchFamily="34" charset="0"/>
               <a:cs typeface="Arial" panose="020B0604020202020204" pitchFamily="34" charset="0"/>
@@ -5611,17 +5133,502 @@
           </a:p>
           <a:p>
             <a:pPr algn="just"/>
-            <a:endParaRPr lang="en-US" sz="1200" dirty="0">
-              <a:latin typeface="Arial" panose="020B0604020202020204" pitchFamily="34" charset="0"/>
-              <a:cs typeface="Arial" panose="020B0604020202020204" pitchFamily="34" charset="0"/>
-            </a:endParaRPr>
+            <a:r>
+              <a:rPr lang="en-US" sz="1200" dirty="0">
+                <a:latin typeface="Arial" panose="020B0604020202020204" pitchFamily="34" charset="0"/>
+                <a:cs typeface="Arial" panose="020B0604020202020204" pitchFamily="34" charset="0"/>
+              </a:rPr>
+              <a:t>Se </a:t>
+            </a:r>
+            <a:r>
+              <a:rPr lang="en-US" sz="1200" dirty="0" err="1">
+                <a:latin typeface="Arial" panose="020B0604020202020204" pitchFamily="34" charset="0"/>
+                <a:cs typeface="Arial" panose="020B0604020202020204" pitchFamily="34" charset="0"/>
+              </a:rPr>
+              <a:t>observa</a:t>
+            </a:r>
+            <a:r>
+              <a:rPr lang="en-US" sz="1200" dirty="0">
+                <a:latin typeface="Arial" panose="020B0604020202020204" pitchFamily="34" charset="0"/>
+                <a:cs typeface="Arial" panose="020B0604020202020204" pitchFamily="34" charset="0"/>
+              </a:rPr>
+              <a:t> </a:t>
+            </a:r>
+            <a:r>
+              <a:rPr lang="en-US" sz="1200" dirty="0" err="1">
+                <a:latin typeface="Arial" panose="020B0604020202020204" pitchFamily="34" charset="0"/>
+                <a:cs typeface="Arial" panose="020B0604020202020204" pitchFamily="34" charset="0"/>
+              </a:rPr>
+              <a:t>que</a:t>
+            </a:r>
+            <a:r>
+              <a:rPr lang="en-US" sz="1200" dirty="0">
+                <a:latin typeface="Arial" panose="020B0604020202020204" pitchFamily="34" charset="0"/>
+                <a:cs typeface="Arial" panose="020B0604020202020204" pitchFamily="34" charset="0"/>
+              </a:rPr>
+              <a:t> </a:t>
+            </a:r>
+            <a:r>
+              <a:rPr lang="en-US" sz="1200" dirty="0" err="1">
+                <a:latin typeface="Arial" panose="020B0604020202020204" pitchFamily="34" charset="0"/>
+                <a:cs typeface="Arial" panose="020B0604020202020204" pitchFamily="34" charset="0"/>
+              </a:rPr>
+              <a:t>el</a:t>
+            </a:r>
+            <a:r>
+              <a:rPr lang="en-US" sz="1200" dirty="0">
+                <a:latin typeface="Arial" panose="020B0604020202020204" pitchFamily="34" charset="0"/>
+                <a:cs typeface="Arial" panose="020B0604020202020204" pitchFamily="34" charset="0"/>
+              </a:rPr>
+              <a:t> </a:t>
+            </a:r>
+            <a:r>
+              <a:rPr lang="en-US" sz="1200" dirty="0" err="1">
+                <a:latin typeface="Arial" panose="020B0604020202020204" pitchFamily="34" charset="0"/>
+                <a:cs typeface="Arial" panose="020B0604020202020204" pitchFamily="34" charset="0"/>
+              </a:rPr>
+              <a:t>índice</a:t>
+            </a:r>
+            <a:r>
+              <a:rPr lang="en-US" sz="1200" dirty="0">
+                <a:latin typeface="Arial" panose="020B0604020202020204" pitchFamily="34" charset="0"/>
+                <a:cs typeface="Arial" panose="020B0604020202020204" pitchFamily="34" charset="0"/>
+              </a:rPr>
+              <a:t> </a:t>
+            </a:r>
+            <a:r>
+              <a:rPr lang="en-US" sz="1200" dirty="0" err="1">
+                <a:latin typeface="Arial" panose="020B0604020202020204" pitchFamily="34" charset="0"/>
+                <a:cs typeface="Arial" panose="020B0604020202020204" pitchFamily="34" charset="0"/>
+              </a:rPr>
+              <a:t>efectivo</a:t>
+            </a:r>
+            <a:r>
+              <a:rPr lang="en-US" sz="1200" dirty="0">
+                <a:latin typeface="Arial" panose="020B0604020202020204" pitchFamily="34" charset="0"/>
+                <a:cs typeface="Arial" panose="020B0604020202020204" pitchFamily="34" charset="0"/>
+              </a:rPr>
+              <a:t> </a:t>
+            </a:r>
+            <a:r>
+              <a:rPr lang="en-US" sz="1200" dirty="0" err="1">
+                <a:latin typeface="Arial" panose="020B0604020202020204" pitchFamily="34" charset="0"/>
+                <a:cs typeface="Arial" panose="020B0604020202020204" pitchFamily="34" charset="0"/>
+              </a:rPr>
+              <a:t>constante</a:t>
+            </a:r>
+            <a:r>
+              <a:rPr lang="en-US" sz="1200" dirty="0">
+                <a:latin typeface="Arial" panose="020B0604020202020204" pitchFamily="34" charset="0"/>
+                <a:cs typeface="Arial" panose="020B0604020202020204" pitchFamily="34" charset="0"/>
+              </a:rPr>
+              <a:t> es a </a:t>
+            </a:r>
+            <a:r>
+              <a:rPr lang="en-US" sz="1200" dirty="0" err="1">
+                <a:latin typeface="Arial" panose="020B0604020202020204" pitchFamily="34" charset="0"/>
+                <a:cs typeface="Arial" panose="020B0604020202020204" pitchFamily="34" charset="0"/>
+              </a:rPr>
+              <a:t>partir</a:t>
+            </a:r>
+            <a:r>
+              <a:rPr lang="en-US" sz="1200" dirty="0">
+                <a:latin typeface="Arial" panose="020B0604020202020204" pitchFamily="34" charset="0"/>
+                <a:cs typeface="Arial" panose="020B0604020202020204" pitchFamily="34" charset="0"/>
+              </a:rPr>
+              <a:t> de un grid de 50 puntos </a:t>
+            </a:r>
+            <a:r>
+              <a:rPr lang="en-US" sz="1200" dirty="0" err="1">
+                <a:latin typeface="Arial" panose="020B0604020202020204" pitchFamily="34" charset="0"/>
+                <a:cs typeface="Arial" panose="020B0604020202020204" pitchFamily="34" charset="0"/>
+              </a:rPr>
+              <a:t>por</a:t>
+            </a:r>
+            <a:r>
+              <a:rPr lang="en-US" sz="1200" dirty="0">
+                <a:latin typeface="Arial" panose="020B0604020202020204" pitchFamily="34" charset="0"/>
+                <a:cs typeface="Arial" panose="020B0604020202020204" pitchFamily="34" charset="0"/>
+              </a:rPr>
+              <a:t> micra, y se </a:t>
+            </a:r>
+            <a:r>
+              <a:rPr lang="en-US" sz="1200" dirty="0" err="1">
+                <a:latin typeface="Arial" panose="020B0604020202020204" pitchFamily="34" charset="0"/>
+                <a:cs typeface="Arial" panose="020B0604020202020204" pitchFamily="34" charset="0"/>
+              </a:rPr>
+              <a:t>estabiliza</a:t>
+            </a:r>
+            <a:r>
+              <a:rPr lang="en-US" sz="1200" dirty="0">
+                <a:latin typeface="Arial" panose="020B0604020202020204" pitchFamily="34" charset="0"/>
+                <a:cs typeface="Arial" panose="020B0604020202020204" pitchFamily="34" charset="0"/>
+              </a:rPr>
+              <a:t> </a:t>
+            </a:r>
+            <a:r>
+              <a:rPr lang="en-US" sz="1200" dirty="0" err="1">
+                <a:latin typeface="Arial" panose="020B0604020202020204" pitchFamily="34" charset="0"/>
+                <a:cs typeface="Arial" panose="020B0604020202020204" pitchFamily="34" charset="0"/>
+              </a:rPr>
+              <a:t>en</a:t>
+            </a:r>
+            <a:r>
+              <a:rPr lang="en-US" sz="1200" dirty="0">
+                <a:latin typeface="Arial" panose="020B0604020202020204" pitchFamily="34" charset="0"/>
+                <a:cs typeface="Arial" panose="020B0604020202020204" pitchFamily="34" charset="0"/>
+              </a:rPr>
+              <a:t> un valor de 1.605 </a:t>
+            </a:r>
+            <a:r>
+              <a:rPr lang="en-US" sz="1200" dirty="0" err="1">
+                <a:latin typeface="Arial" panose="020B0604020202020204" pitchFamily="34" charset="0"/>
+                <a:cs typeface="Arial" panose="020B0604020202020204" pitchFamily="34" charset="0"/>
+              </a:rPr>
+              <a:t>aproximadamente</a:t>
+            </a:r>
+            <a:r>
+              <a:rPr lang="en-US" sz="1200" dirty="0">
+                <a:latin typeface="Arial" panose="020B0604020202020204" pitchFamily="34" charset="0"/>
+                <a:cs typeface="Arial" panose="020B0604020202020204" pitchFamily="34" charset="0"/>
+              </a:rPr>
+              <a:t>.</a:t>
+            </a:r>
           </a:p>
           <a:p>
             <a:pPr algn="just"/>
-            <a:endParaRPr lang="en-US" sz="1200" dirty="0">
-              <a:latin typeface="Arial" panose="020B0604020202020204" pitchFamily="34" charset="0"/>
-              <a:cs typeface="Arial" panose="020B0604020202020204" pitchFamily="34" charset="0"/>
-            </a:endParaRPr>
+            <a:r>
+              <a:rPr lang="en-US" sz="1200" dirty="0">
+                <a:latin typeface="Arial" panose="020B0604020202020204" pitchFamily="34" charset="0"/>
+                <a:cs typeface="Arial" panose="020B0604020202020204" pitchFamily="34" charset="0"/>
+              </a:rPr>
+              <a:t>Por </a:t>
+            </a:r>
+            <a:r>
+              <a:rPr lang="en-US" sz="1200" dirty="0" err="1">
+                <a:latin typeface="Arial" panose="020B0604020202020204" pitchFamily="34" charset="0"/>
+                <a:cs typeface="Arial" panose="020B0604020202020204" pitchFamily="34" charset="0"/>
+              </a:rPr>
+              <a:t>otro</a:t>
+            </a:r>
+            <a:r>
+              <a:rPr lang="en-US" sz="1200" dirty="0">
+                <a:latin typeface="Arial" panose="020B0604020202020204" pitchFamily="34" charset="0"/>
+                <a:cs typeface="Arial" panose="020B0604020202020204" pitchFamily="34" charset="0"/>
+              </a:rPr>
+              <a:t> </a:t>
+            </a:r>
+            <a:r>
+              <a:rPr lang="en-US" sz="1200" dirty="0" err="1">
+                <a:latin typeface="Arial" panose="020B0604020202020204" pitchFamily="34" charset="0"/>
+                <a:cs typeface="Arial" panose="020B0604020202020204" pitchFamily="34" charset="0"/>
+              </a:rPr>
+              <a:t>lado</a:t>
+            </a:r>
+            <a:r>
+              <a:rPr lang="en-US" sz="1200" dirty="0">
+                <a:latin typeface="Arial" panose="020B0604020202020204" pitchFamily="34" charset="0"/>
+                <a:cs typeface="Arial" panose="020B0604020202020204" pitchFamily="34" charset="0"/>
+              </a:rPr>
+              <a:t>, </a:t>
+            </a:r>
+            <a:r>
+              <a:rPr lang="en-US" sz="1200" dirty="0" err="1">
+                <a:latin typeface="Arial" panose="020B0604020202020204" pitchFamily="34" charset="0"/>
+                <a:cs typeface="Arial" panose="020B0604020202020204" pitchFamily="34" charset="0"/>
+              </a:rPr>
+              <a:t>como</a:t>
+            </a:r>
+            <a:r>
+              <a:rPr lang="en-US" sz="1200" dirty="0">
+                <a:latin typeface="Arial" panose="020B0604020202020204" pitchFamily="34" charset="0"/>
+                <a:cs typeface="Arial" panose="020B0604020202020204" pitchFamily="34" charset="0"/>
+              </a:rPr>
+              <a:t> </a:t>
+            </a:r>
+            <a:r>
+              <a:rPr lang="en-US" sz="1200" dirty="0" err="1">
+                <a:latin typeface="Arial" panose="020B0604020202020204" pitchFamily="34" charset="0"/>
+                <a:cs typeface="Arial" panose="020B0604020202020204" pitchFamily="34" charset="0"/>
+              </a:rPr>
+              <a:t>este</a:t>
+            </a:r>
+            <a:r>
+              <a:rPr lang="en-US" sz="1200" dirty="0">
+                <a:latin typeface="Arial" panose="020B0604020202020204" pitchFamily="34" charset="0"/>
+                <a:cs typeface="Arial" panose="020B0604020202020204" pitchFamily="34" charset="0"/>
+              </a:rPr>
+              <a:t> valor de </a:t>
+            </a:r>
+            <a:r>
+              <a:rPr lang="en-US" sz="1200" dirty="0" err="1">
+                <a:latin typeface="Arial" panose="020B0604020202020204" pitchFamily="34" charset="0"/>
+                <a:cs typeface="Arial" panose="020B0604020202020204" pitchFamily="34" charset="0"/>
+              </a:rPr>
+              <a:t>índice</a:t>
+            </a:r>
+            <a:r>
+              <a:rPr lang="en-US" sz="1200" dirty="0">
+                <a:latin typeface="Arial" panose="020B0604020202020204" pitchFamily="34" charset="0"/>
+                <a:cs typeface="Arial" panose="020B0604020202020204" pitchFamily="34" charset="0"/>
+              </a:rPr>
+              <a:t> se </a:t>
+            </a:r>
+            <a:r>
+              <a:rPr lang="en-US" sz="1200" dirty="0" err="1">
+                <a:latin typeface="Arial" panose="020B0604020202020204" pitchFamily="34" charset="0"/>
+                <a:cs typeface="Arial" panose="020B0604020202020204" pitchFamily="34" charset="0"/>
+              </a:rPr>
+              <a:t>consigue</a:t>
+            </a:r>
+            <a:r>
+              <a:rPr lang="en-US" sz="1200" dirty="0">
+                <a:latin typeface="Arial" panose="020B0604020202020204" pitchFamily="34" charset="0"/>
+                <a:cs typeface="Arial" panose="020B0604020202020204" pitchFamily="34" charset="0"/>
+              </a:rPr>
+              <a:t> </a:t>
+            </a:r>
+            <a:r>
+              <a:rPr lang="en-US" sz="1200" dirty="0" err="1">
+                <a:latin typeface="Arial" panose="020B0604020202020204" pitchFamily="34" charset="0"/>
+                <a:cs typeface="Arial" panose="020B0604020202020204" pitchFamily="34" charset="0"/>
+              </a:rPr>
+              <a:t>tambien</a:t>
+            </a:r>
+            <a:r>
+              <a:rPr lang="en-US" sz="1200" dirty="0">
+                <a:latin typeface="Arial" panose="020B0604020202020204" pitchFamily="34" charset="0"/>
+                <a:cs typeface="Arial" panose="020B0604020202020204" pitchFamily="34" charset="0"/>
+              </a:rPr>
+              <a:t> </a:t>
+            </a:r>
+            <a:r>
+              <a:rPr lang="en-US" sz="1200" dirty="0" err="1">
+                <a:latin typeface="Arial" panose="020B0604020202020204" pitchFamily="34" charset="0"/>
+                <a:cs typeface="Arial" panose="020B0604020202020204" pitchFamily="34" charset="0"/>
+              </a:rPr>
+              <a:t>cuando</a:t>
+            </a:r>
+            <a:r>
+              <a:rPr lang="en-US" sz="1200" dirty="0">
+                <a:latin typeface="Arial" panose="020B0604020202020204" pitchFamily="34" charset="0"/>
+                <a:cs typeface="Arial" panose="020B0604020202020204" pitchFamily="34" charset="0"/>
+              </a:rPr>
+              <a:t> </a:t>
+            </a:r>
+            <a:r>
+              <a:rPr lang="en-US" sz="1200" dirty="0" err="1">
+                <a:latin typeface="Arial" panose="020B0604020202020204" pitchFamily="34" charset="0"/>
+                <a:cs typeface="Arial" panose="020B0604020202020204" pitchFamily="34" charset="0"/>
+              </a:rPr>
+              <a:t>el</a:t>
+            </a:r>
+            <a:r>
+              <a:rPr lang="en-US" sz="1200" dirty="0">
+                <a:latin typeface="Arial" panose="020B0604020202020204" pitchFamily="34" charset="0"/>
+                <a:cs typeface="Arial" panose="020B0604020202020204" pitchFamily="34" charset="0"/>
+              </a:rPr>
+              <a:t> grid resolution es de 20, se </a:t>
+            </a:r>
+            <a:r>
+              <a:rPr lang="en-US" sz="1200" dirty="0" err="1">
+                <a:latin typeface="Arial" panose="020B0604020202020204" pitchFamily="34" charset="0"/>
+                <a:cs typeface="Arial" panose="020B0604020202020204" pitchFamily="34" charset="0"/>
+              </a:rPr>
+              <a:t>establece</a:t>
+            </a:r>
+            <a:r>
+              <a:rPr lang="en-US" sz="1200" dirty="0">
+                <a:latin typeface="Arial" panose="020B0604020202020204" pitchFamily="34" charset="0"/>
+                <a:cs typeface="Arial" panose="020B0604020202020204" pitchFamily="34" charset="0"/>
+              </a:rPr>
+              <a:t> </a:t>
+            </a:r>
+            <a:r>
+              <a:rPr lang="en-US" sz="1200" dirty="0" err="1">
+                <a:latin typeface="Arial" panose="020B0604020202020204" pitchFamily="34" charset="0"/>
+                <a:cs typeface="Arial" panose="020B0604020202020204" pitchFamily="34" charset="0"/>
+              </a:rPr>
+              <a:t>que</a:t>
+            </a:r>
+            <a:r>
+              <a:rPr lang="en-US" sz="1200" dirty="0">
+                <a:latin typeface="Arial" panose="020B0604020202020204" pitchFamily="34" charset="0"/>
+                <a:cs typeface="Arial" panose="020B0604020202020204" pitchFamily="34" charset="0"/>
+              </a:rPr>
+              <a:t> </a:t>
+            </a:r>
+            <a:r>
+              <a:rPr lang="en-US" sz="1200" dirty="0" err="1">
+                <a:latin typeface="Arial" panose="020B0604020202020204" pitchFamily="34" charset="0"/>
+                <a:cs typeface="Arial" panose="020B0604020202020204" pitchFamily="34" charset="0"/>
+              </a:rPr>
+              <a:t>el</a:t>
+            </a:r>
+            <a:r>
+              <a:rPr lang="en-US" sz="1200" dirty="0">
+                <a:latin typeface="Arial" panose="020B0604020202020204" pitchFamily="34" charset="0"/>
+                <a:cs typeface="Arial" panose="020B0604020202020204" pitchFamily="34" charset="0"/>
+              </a:rPr>
+              <a:t> max grid scaling se </a:t>
+            </a:r>
+            <a:r>
+              <a:rPr lang="en-US" sz="1200" dirty="0" err="1">
+                <a:latin typeface="Arial" panose="020B0604020202020204" pitchFamily="34" charset="0"/>
+                <a:cs typeface="Arial" panose="020B0604020202020204" pitchFamily="34" charset="0"/>
+              </a:rPr>
+              <a:t>calcula</a:t>
+            </a:r>
+            <a:r>
+              <a:rPr lang="en-US" sz="1200" dirty="0">
+                <a:latin typeface="Arial" panose="020B0604020202020204" pitchFamily="34" charset="0"/>
+                <a:cs typeface="Arial" panose="020B0604020202020204" pitchFamily="34" charset="0"/>
+              </a:rPr>
+              <a:t> a </a:t>
+            </a:r>
+            <a:r>
+              <a:rPr lang="en-US" sz="1200" dirty="0" err="1">
+                <a:latin typeface="Arial" panose="020B0604020202020204" pitchFamily="34" charset="0"/>
+                <a:cs typeface="Arial" panose="020B0604020202020204" pitchFamily="34" charset="0"/>
+              </a:rPr>
+              <a:t>partir</a:t>
+            </a:r>
+            <a:r>
+              <a:rPr lang="en-US" sz="1200" dirty="0">
+                <a:latin typeface="Arial" panose="020B0604020202020204" pitchFamily="34" charset="0"/>
+                <a:cs typeface="Arial" panose="020B0604020202020204" pitchFamily="34" charset="0"/>
+              </a:rPr>
+              <a:t> de 20. </a:t>
+            </a:r>
+          </a:p>
+          <a:p>
+            <a:pPr algn="just"/>
+            <a:r>
+              <a:rPr lang="en-US" sz="1200" dirty="0" err="1">
+                <a:latin typeface="Arial" panose="020B0604020202020204" pitchFamily="34" charset="0"/>
+                <a:cs typeface="Arial" panose="020B0604020202020204" pitchFamily="34" charset="0"/>
+              </a:rPr>
+              <a:t>Además</a:t>
+            </a:r>
+            <a:r>
+              <a:rPr lang="en-US" sz="1200" dirty="0">
+                <a:latin typeface="Arial" panose="020B0604020202020204" pitchFamily="34" charset="0"/>
+                <a:cs typeface="Arial" panose="020B0604020202020204" pitchFamily="34" charset="0"/>
+              </a:rPr>
+              <a:t> </a:t>
+            </a:r>
+            <a:r>
+              <a:rPr lang="en-US" sz="1200" dirty="0" err="1">
+                <a:latin typeface="Arial" panose="020B0604020202020204" pitchFamily="34" charset="0"/>
+                <a:cs typeface="Arial" panose="020B0604020202020204" pitchFamily="34" charset="0"/>
+              </a:rPr>
+              <a:t>en</a:t>
+            </a:r>
+            <a:r>
+              <a:rPr lang="en-US" sz="1200" dirty="0">
+                <a:latin typeface="Arial" panose="020B0604020202020204" pitchFamily="34" charset="0"/>
+                <a:cs typeface="Arial" panose="020B0604020202020204" pitchFamily="34" charset="0"/>
+              </a:rPr>
+              <a:t> </a:t>
+            </a:r>
+            <a:r>
+              <a:rPr lang="en-US" sz="1200" dirty="0" err="1">
+                <a:latin typeface="Arial" panose="020B0604020202020204" pitchFamily="34" charset="0"/>
+                <a:cs typeface="Arial" panose="020B0604020202020204" pitchFamily="34" charset="0"/>
+              </a:rPr>
+              <a:t>el</a:t>
+            </a:r>
+            <a:r>
+              <a:rPr lang="en-US" sz="1200" dirty="0">
+                <a:latin typeface="Arial" panose="020B0604020202020204" pitchFamily="34" charset="0"/>
+                <a:cs typeface="Arial" panose="020B0604020202020204" pitchFamily="34" charset="0"/>
+              </a:rPr>
+              <a:t> max grid scaling se </a:t>
+            </a:r>
+            <a:r>
+              <a:rPr lang="en-US" sz="1200" dirty="0" err="1">
+                <a:latin typeface="Arial" panose="020B0604020202020204" pitchFamily="34" charset="0"/>
+                <a:cs typeface="Arial" panose="020B0604020202020204" pitchFamily="34" charset="0"/>
+              </a:rPr>
+              <a:t>empieza</a:t>
+            </a:r>
+            <a:r>
+              <a:rPr lang="en-US" sz="1200" dirty="0">
+                <a:latin typeface="Arial" panose="020B0604020202020204" pitchFamily="34" charset="0"/>
+                <a:cs typeface="Arial" panose="020B0604020202020204" pitchFamily="34" charset="0"/>
+              </a:rPr>
+              <a:t> a </a:t>
+            </a:r>
+            <a:r>
+              <a:rPr lang="en-US" sz="1200" dirty="0" err="1">
+                <a:latin typeface="Arial" panose="020B0604020202020204" pitchFamily="34" charset="0"/>
+                <a:cs typeface="Arial" panose="020B0604020202020204" pitchFamily="34" charset="0"/>
+              </a:rPr>
+              <a:t>hacer</a:t>
+            </a:r>
+            <a:r>
+              <a:rPr lang="en-US" sz="1200" dirty="0">
+                <a:latin typeface="Arial" panose="020B0604020202020204" pitchFamily="34" charset="0"/>
+                <a:cs typeface="Arial" panose="020B0604020202020204" pitchFamily="34" charset="0"/>
+              </a:rPr>
+              <a:t> </a:t>
+            </a:r>
+            <a:r>
+              <a:rPr lang="en-US" sz="1200" dirty="0" err="1">
+                <a:latin typeface="Arial" panose="020B0604020202020204" pitchFamily="34" charset="0"/>
+                <a:cs typeface="Arial" panose="020B0604020202020204" pitchFamily="34" charset="0"/>
+              </a:rPr>
+              <a:t>constante</a:t>
+            </a:r>
+            <a:r>
+              <a:rPr lang="en-US" sz="1200" dirty="0">
+                <a:latin typeface="Arial" panose="020B0604020202020204" pitchFamily="34" charset="0"/>
+                <a:cs typeface="Arial" panose="020B0604020202020204" pitchFamily="34" charset="0"/>
+              </a:rPr>
+              <a:t> </a:t>
+            </a:r>
+            <a:r>
+              <a:rPr lang="en-US" sz="1200" dirty="0" err="1">
+                <a:latin typeface="Arial" panose="020B0604020202020204" pitchFamily="34" charset="0"/>
+                <a:cs typeface="Arial" panose="020B0604020202020204" pitchFamily="34" charset="0"/>
+              </a:rPr>
+              <a:t>el</a:t>
+            </a:r>
+            <a:r>
+              <a:rPr lang="en-US" sz="1200" dirty="0">
+                <a:latin typeface="Arial" panose="020B0604020202020204" pitchFamily="34" charset="0"/>
+                <a:cs typeface="Arial" panose="020B0604020202020204" pitchFamily="34" charset="0"/>
+              </a:rPr>
+              <a:t> </a:t>
+            </a:r>
+            <a:r>
+              <a:rPr lang="en-US" sz="1200" dirty="0" err="1">
+                <a:latin typeface="Arial" panose="020B0604020202020204" pitchFamily="34" charset="0"/>
+                <a:cs typeface="Arial" panose="020B0604020202020204" pitchFamily="34" charset="0"/>
+              </a:rPr>
+              <a:t>índice</a:t>
+            </a:r>
+            <a:r>
+              <a:rPr lang="en-US" sz="1200" dirty="0">
+                <a:latin typeface="Arial" panose="020B0604020202020204" pitchFamily="34" charset="0"/>
+                <a:cs typeface="Arial" panose="020B0604020202020204" pitchFamily="34" charset="0"/>
+              </a:rPr>
+              <a:t> a </a:t>
+            </a:r>
+            <a:r>
+              <a:rPr lang="en-US" sz="1200" dirty="0" err="1">
+                <a:latin typeface="Arial" panose="020B0604020202020204" pitchFamily="34" charset="0"/>
+                <a:cs typeface="Arial" panose="020B0604020202020204" pitchFamily="34" charset="0"/>
+              </a:rPr>
+              <a:t>partir</a:t>
+            </a:r>
+            <a:r>
+              <a:rPr lang="en-US" sz="1200" dirty="0">
+                <a:latin typeface="Arial" panose="020B0604020202020204" pitchFamily="34" charset="0"/>
+                <a:cs typeface="Arial" panose="020B0604020202020204" pitchFamily="34" charset="0"/>
+              </a:rPr>
+              <a:t> de un max grid de 1.5.</a:t>
+            </a:r>
           </a:p>
           <a:p>
             <a:pPr algn="just"/>
@@ -6018,7 +6025,7 @@
         </p:nvSpPr>
         <p:spPr>
           <a:xfrm>
-            <a:off x="609441" y="4860334"/>
+            <a:off x="618771" y="5076714"/>
             <a:ext cx="11199971" cy="1200329"/>
           </a:xfrm>
           <a:prstGeom prst="rect">
@@ -6116,7 +6123,7 @@
         <p:spPr>
           <a:xfrm>
             <a:off x="609441" y="1418373"/>
-            <a:ext cx="11199971" cy="3306028"/>
+            <a:ext cx="6705759" cy="3306028"/>
           </a:xfrm>
           <a:prstGeom prst="rect">
             <a:avLst/>
@@ -6204,6 +6211,36 @@
           </a:p>
         </p:txBody>
       </p:sp>
+      <p:pic>
+        <p:nvPicPr>
+          <p:cNvPr id="9" name="Imagen 8" descr="Gráfico, Gráfico de líneas&#10;&#10;El contenido generado por IA puede ser incorrecto.">
+            <a:extLst>
+              <a:ext uri="{FF2B5EF4-FFF2-40B4-BE49-F238E27FC236}">
+                <a16:creationId xmlns:a16="http://schemas.microsoft.com/office/drawing/2014/main" id="{A7856FD2-B897-7AE4-D5F6-F034DAC6AF78}"/>
+              </a:ext>
+            </a:extLst>
+          </p:cNvPr>
+          <p:cNvPicPr>
+            <a:picLocks noChangeAspect="1"/>
+          </p:cNvPicPr>
+          <p:nvPr/>
+        </p:nvPicPr>
+        <p:blipFill>
+          <a:blip r:embed="rId5"/>
+          <a:stretch>
+            <a:fillRect/>
+          </a:stretch>
+        </p:blipFill>
+        <p:spPr>
+          <a:xfrm>
+            <a:off x="572119" y="1214989"/>
+            <a:ext cx="6527868" cy="3800152"/>
+          </a:xfrm>
+          <a:prstGeom prst="rect">
+            <a:avLst/>
+          </a:prstGeom>
+        </p:spPr>
+      </p:pic>
     </p:spTree>
     <p:extLst>
       <p:ext uri="{BB962C8B-B14F-4D97-AF65-F5344CB8AC3E}">
@@ -7675,6 +7712,66 @@
           </a:p>
         </p:txBody>
       </p:sp>
+      <p:pic>
+        <p:nvPicPr>
+          <p:cNvPr id="7" name="Imagen 6">
+            <a:extLst>
+              <a:ext uri="{FF2B5EF4-FFF2-40B4-BE49-F238E27FC236}">
+                <a16:creationId xmlns:a16="http://schemas.microsoft.com/office/drawing/2014/main" id="{6C067165-A5AA-538F-F2DD-C3A6B2982158}"/>
+              </a:ext>
+            </a:extLst>
+          </p:cNvPr>
+          <p:cNvPicPr>
+            <a:picLocks noChangeAspect="1"/>
+          </p:cNvPicPr>
+          <p:nvPr/>
+        </p:nvPicPr>
+        <p:blipFill>
+          <a:blip r:embed="rId9"/>
+          <a:stretch>
+            <a:fillRect/>
+          </a:stretch>
+        </p:blipFill>
+        <p:spPr>
+          <a:xfrm>
+            <a:off x="715344" y="1480138"/>
+            <a:ext cx="5228256" cy="3162523"/>
+          </a:xfrm>
+          <a:prstGeom prst="rect">
+            <a:avLst/>
+          </a:prstGeom>
+        </p:spPr>
+      </p:pic>
+      <p:pic>
+        <p:nvPicPr>
+          <p:cNvPr id="12" name="Imagen 11" descr="Gráfico, Gráfico de líneas, Gráfico de dispersión&#10;&#10;El contenido generado por IA puede ser incorrecto.">
+            <a:extLst>
+              <a:ext uri="{FF2B5EF4-FFF2-40B4-BE49-F238E27FC236}">
+                <a16:creationId xmlns:a16="http://schemas.microsoft.com/office/drawing/2014/main" id="{8BC74DA8-1A39-188A-9FA5-0293EF18F3DE}"/>
+              </a:ext>
+            </a:extLst>
+          </p:cNvPr>
+          <p:cNvPicPr>
+            <a:picLocks noChangeAspect="1"/>
+          </p:cNvPicPr>
+          <p:nvPr/>
+        </p:nvPicPr>
+        <p:blipFill>
+          <a:blip r:embed="rId10"/>
+          <a:stretch>
+            <a:fillRect/>
+          </a:stretch>
+        </p:blipFill>
+        <p:spPr>
+          <a:xfrm>
+            <a:off x="6445054" y="1500833"/>
+            <a:ext cx="5362926" cy="3243984"/>
+          </a:xfrm>
+          <a:prstGeom prst="rect">
+            <a:avLst/>
+          </a:prstGeom>
+        </p:spPr>
+      </p:pic>
     </p:spTree>
     <p:extLst>
       <p:ext uri="{BB962C8B-B14F-4D97-AF65-F5344CB8AC3E}">
@@ -7689,6 +7786,859 @@
 </file>
 
 <file path=ppt/slides/slide6.xml><?xml version="1.0" encoding="utf-8"?>
+<p:sld xmlns:a="http://schemas.openxmlformats.org/drawingml/2006/main" xmlns:r="http://schemas.openxmlformats.org/officeDocument/2006/relationships" xmlns:p="http://schemas.openxmlformats.org/presentationml/2006/main">
+  <p:cSld>
+    <p:spTree>
+      <p:nvGrpSpPr>
+        <p:cNvPr id="1" name=""/>
+        <p:cNvGrpSpPr/>
+        <p:nvPr/>
+      </p:nvGrpSpPr>
+      <p:grpSpPr>
+        <a:xfrm>
+          <a:off x="0" y="0"/>
+          <a:ext cx="0" cy="0"/>
+          <a:chOff x="0" y="0"/>
+          <a:chExt cx="0" cy="0"/>
+        </a:xfrm>
+      </p:grpSpPr>
+      <p:sp>
+        <p:nvSpPr>
+          <p:cNvPr id="2" name="Título 1">
+            <a:extLst>
+              <a:ext uri="{FF2B5EF4-FFF2-40B4-BE49-F238E27FC236}">
+                <a16:creationId xmlns:a16="http://schemas.microsoft.com/office/drawing/2014/main" id="{287F0FA8-1052-0CCE-50DD-F3044AFD23E3}"/>
+              </a:ext>
+            </a:extLst>
+          </p:cNvPr>
+          <p:cNvSpPr>
+            <a:spLocks noGrp="1"/>
+          </p:cNvSpPr>
+          <p:nvPr>
+            <p:ph type="title"/>
+          </p:nvPr>
+        </p:nvSpPr>
+        <p:spPr/>
+        <p:txBody>
+          <a:bodyPr/>
+          <a:lstStyle/>
+          <a:p>
+            <a:r>
+              <a:rPr lang="es-ES" dirty="0"/>
+              <a:t>COMENTARIO LO3</a:t>
+            </a:r>
+          </a:p>
+        </p:txBody>
+      </p:sp>
+      <p:sp>
+        <p:nvSpPr>
+          <p:cNvPr id="3" name="Marcador de texto 2">
+            <a:extLst>
+              <a:ext uri="{FF2B5EF4-FFF2-40B4-BE49-F238E27FC236}">
+                <a16:creationId xmlns:a16="http://schemas.microsoft.com/office/drawing/2014/main" id="{D469A6F2-72A0-9CDA-86DD-6482FB92E931}"/>
+              </a:ext>
+            </a:extLst>
+          </p:cNvPr>
+          <p:cNvSpPr>
+            <a:spLocks noGrp="1"/>
+          </p:cNvSpPr>
+          <p:nvPr>
+            <p:ph type="body" idx="1"/>
+          </p:nvPr>
+        </p:nvSpPr>
+        <p:spPr>
+          <a:xfrm>
+            <a:off x="587440" y="685800"/>
+            <a:ext cx="10972800" cy="276999"/>
+          </a:xfrm>
+        </p:spPr>
+        <p:txBody>
+          <a:bodyPr/>
+          <a:lstStyle/>
+          <a:p>
+            <a:r>
+              <a:rPr lang="es-ES" b="1" dirty="0"/>
+              <a:t>Deep WG</a:t>
+            </a:r>
+          </a:p>
+        </p:txBody>
+      </p:sp>
+      <p:sp>
+        <p:nvSpPr>
+          <p:cNvPr id="4" name="Marcador de pie de página 3">
+            <a:extLst>
+              <a:ext uri="{FF2B5EF4-FFF2-40B4-BE49-F238E27FC236}">
+                <a16:creationId xmlns:a16="http://schemas.microsoft.com/office/drawing/2014/main" id="{69B7A767-456C-1F92-2652-92468EA87F4E}"/>
+              </a:ext>
+            </a:extLst>
+          </p:cNvPr>
+          <p:cNvSpPr>
+            <a:spLocks noGrp="1"/>
+          </p:cNvSpPr>
+          <p:nvPr>
+            <p:ph type="ftr" sz="quarter" idx="5"/>
+          </p:nvPr>
+        </p:nvSpPr>
+        <p:spPr/>
+        <p:txBody>
+          <a:bodyPr/>
+          <a:lstStyle/>
+          <a:p>
+            <a:pPr marL="12700">
+              <a:spcBef>
+                <a:spcPts val="15"/>
+              </a:spcBef>
+            </a:pPr>
+            <a:r>
+              <a:rPr lang="es-ES" spc="-5"/>
+              <a:t>LAB 1.0. WAVEGUIDES</a:t>
+            </a:r>
+            <a:endParaRPr lang="es-ES" spc="-5" dirty="0"/>
+          </a:p>
+        </p:txBody>
+      </p:sp>
+      <p:sp>
+        <p:nvSpPr>
+          <p:cNvPr id="5" name="Marcador de número de diapositiva 4">
+            <a:extLst>
+              <a:ext uri="{FF2B5EF4-FFF2-40B4-BE49-F238E27FC236}">
+                <a16:creationId xmlns:a16="http://schemas.microsoft.com/office/drawing/2014/main" id="{D515ED68-F96F-47DF-5A3D-3C62750DE38F}"/>
+              </a:ext>
+            </a:extLst>
+          </p:cNvPr>
+          <p:cNvSpPr>
+            <a:spLocks noGrp="1"/>
+          </p:cNvSpPr>
+          <p:nvPr>
+            <p:ph type="sldNum" sz="quarter" idx="7"/>
+          </p:nvPr>
+        </p:nvSpPr>
+        <p:spPr/>
+        <p:txBody>
+          <a:bodyPr/>
+          <a:lstStyle/>
+          <a:p>
+            <a:fld id="{B6F15528-21DE-4FAA-801E-634DDDAF4B2B}" type="slidenum">
+              <a:rPr lang="es-ES" smtClean="0"/>
+              <a:t>6</a:t>
+            </a:fld>
+            <a:endParaRPr lang="es-ES"/>
+          </a:p>
+        </p:txBody>
+      </p:sp>
+      <p:pic>
+        <p:nvPicPr>
+          <p:cNvPr id="6" name="Imagen 5">
+            <a:extLst>
+              <a:ext uri="{FF2B5EF4-FFF2-40B4-BE49-F238E27FC236}">
+                <a16:creationId xmlns:a16="http://schemas.microsoft.com/office/drawing/2014/main" id="{5F3EE6DF-AC57-4F75-690D-92FB1AE9DAFD}"/>
+              </a:ext>
+            </a:extLst>
+          </p:cNvPr>
+          <p:cNvPicPr>
+            <a:picLocks noChangeAspect="1"/>
+          </p:cNvPicPr>
+          <p:nvPr/>
+        </p:nvPicPr>
+        <p:blipFill>
+          <a:blip r:embed="rId2"/>
+          <a:stretch>
+            <a:fillRect/>
+          </a:stretch>
+        </p:blipFill>
+        <p:spPr>
+          <a:xfrm>
+            <a:off x="609600" y="1055595"/>
+            <a:ext cx="3303426" cy="1998211"/>
+          </a:xfrm>
+          <a:prstGeom prst="rect">
+            <a:avLst/>
+          </a:prstGeom>
+        </p:spPr>
+      </p:pic>
+      <p:pic>
+        <p:nvPicPr>
+          <p:cNvPr id="8" name="Imagen 7" descr="Texto&#10;&#10;El contenido generado por IA puede ser incorrecto.">
+            <a:extLst>
+              <a:ext uri="{FF2B5EF4-FFF2-40B4-BE49-F238E27FC236}">
+                <a16:creationId xmlns:a16="http://schemas.microsoft.com/office/drawing/2014/main" id="{80F091C1-B645-AFD3-1B47-DADBF1CD1CE9}"/>
+              </a:ext>
+            </a:extLst>
+          </p:cNvPr>
+          <p:cNvPicPr>
+            <a:picLocks noChangeAspect="1"/>
+          </p:cNvPicPr>
+          <p:nvPr/>
+        </p:nvPicPr>
+        <p:blipFill>
+          <a:blip r:embed="rId3"/>
+          <a:stretch>
+            <a:fillRect/>
+          </a:stretch>
+        </p:blipFill>
+        <p:spPr>
+          <a:xfrm>
+            <a:off x="4191000" y="1167833"/>
+            <a:ext cx="3390894" cy="903771"/>
+          </a:xfrm>
+          <a:prstGeom prst="rect">
+            <a:avLst/>
+          </a:prstGeom>
+        </p:spPr>
+      </p:pic>
+      <p:pic>
+        <p:nvPicPr>
+          <p:cNvPr id="9" name="Imagen 8" descr="Gráfico, Gráfico de líneas, Gráfico de dispersión&#10;&#10;El contenido generado por IA puede ser incorrecto.">
+            <a:extLst>
+              <a:ext uri="{FF2B5EF4-FFF2-40B4-BE49-F238E27FC236}">
+                <a16:creationId xmlns:a16="http://schemas.microsoft.com/office/drawing/2014/main" id="{CC7E137D-D49B-FFD6-D88D-778D928B4B16}"/>
+              </a:ext>
+            </a:extLst>
+          </p:cNvPr>
+          <p:cNvPicPr>
+            <a:picLocks noChangeAspect="1"/>
+          </p:cNvPicPr>
+          <p:nvPr/>
+        </p:nvPicPr>
+        <p:blipFill>
+          <a:blip r:embed="rId4"/>
+          <a:stretch>
+            <a:fillRect/>
+          </a:stretch>
+        </p:blipFill>
+        <p:spPr>
+          <a:xfrm>
+            <a:off x="7854081" y="1134070"/>
+            <a:ext cx="3505200" cy="2120263"/>
+          </a:xfrm>
+          <a:prstGeom prst="rect">
+            <a:avLst/>
+          </a:prstGeom>
+        </p:spPr>
+      </p:pic>
+      <p:sp>
+        <p:nvSpPr>
+          <p:cNvPr id="11" name="CuadroTexto 10">
+            <a:extLst>
+              <a:ext uri="{FF2B5EF4-FFF2-40B4-BE49-F238E27FC236}">
+                <a16:creationId xmlns:a16="http://schemas.microsoft.com/office/drawing/2014/main" id="{4A5FB238-D549-67B5-F32A-064CF97B80C8}"/>
+              </a:ext>
+            </a:extLst>
+          </p:cNvPr>
+          <p:cNvSpPr txBox="1"/>
+          <p:nvPr/>
+        </p:nvSpPr>
+        <p:spPr>
+          <a:xfrm>
+            <a:off x="7888805" y="711843"/>
+            <a:ext cx="6125546" cy="369332"/>
+          </a:xfrm>
+          <a:prstGeom prst="rect">
+            <a:avLst/>
+          </a:prstGeom>
+          <a:noFill/>
+        </p:spPr>
+        <p:txBody>
+          <a:bodyPr wrap="square">
+            <a:spAutoFit/>
+          </a:bodyPr>
+          <a:lstStyle/>
+          <a:p>
+            <a:r>
+              <a:rPr lang="es-ES" b="1" dirty="0" err="1"/>
+              <a:t>Shallow</a:t>
+            </a:r>
+            <a:r>
+              <a:rPr lang="es-ES" b="1" dirty="0"/>
+              <a:t> WG</a:t>
+            </a:r>
+          </a:p>
+        </p:txBody>
+      </p:sp>
+      <p:pic>
+        <p:nvPicPr>
+          <p:cNvPr id="13" name="Imagen 12" descr="Una captura de pantalla de un celular&#10;&#10;El contenido generado por IA puede ser incorrecto.">
+            <a:extLst>
+              <a:ext uri="{FF2B5EF4-FFF2-40B4-BE49-F238E27FC236}">
+                <a16:creationId xmlns:a16="http://schemas.microsoft.com/office/drawing/2014/main" id="{A22AD0AD-69C2-CBE2-46FF-01702E07FC86}"/>
+              </a:ext>
+            </a:extLst>
+          </p:cNvPr>
+          <p:cNvPicPr>
+            <a:picLocks noChangeAspect="1"/>
+          </p:cNvPicPr>
+          <p:nvPr/>
+        </p:nvPicPr>
+        <p:blipFill>
+          <a:blip r:embed="rId5"/>
+          <a:stretch>
+            <a:fillRect/>
+          </a:stretch>
+        </p:blipFill>
+        <p:spPr>
+          <a:xfrm>
+            <a:off x="4191000" y="2235487"/>
+            <a:ext cx="3390894" cy="851362"/>
+          </a:xfrm>
+          <a:prstGeom prst="rect">
+            <a:avLst/>
+          </a:prstGeom>
+        </p:spPr>
+      </p:pic>
+      <p:sp>
+        <p:nvSpPr>
+          <p:cNvPr id="23" name="Marcador de texto 2">
+            <a:extLst>
+              <a:ext uri="{FF2B5EF4-FFF2-40B4-BE49-F238E27FC236}">
+                <a16:creationId xmlns:a16="http://schemas.microsoft.com/office/drawing/2014/main" id="{6CB3DA00-6176-B95A-985F-BDAD9019EC19}"/>
+              </a:ext>
+            </a:extLst>
+          </p:cNvPr>
+          <p:cNvSpPr txBox="1">
+            <a:spLocks/>
+          </p:cNvSpPr>
+          <p:nvPr/>
+        </p:nvSpPr>
+        <p:spPr>
+          <a:xfrm>
+            <a:off x="396074" y="3425142"/>
+            <a:ext cx="6553365" cy="2800767"/>
+          </a:xfrm>
+          <a:prstGeom prst="rect">
+            <a:avLst/>
+          </a:prstGeom>
+        </p:spPr>
+        <p:txBody>
+          <a:bodyPr wrap="square" lIns="0" tIns="0" rIns="0" bIns="0">
+            <a:spAutoFit/>
+          </a:bodyPr>
+          <a:lstStyle>
+            <a:lvl1pPr marL="0">
+              <a:defRPr>
+                <a:latin typeface="+mn-lt"/>
+                <a:ea typeface="+mn-ea"/>
+                <a:cs typeface="+mn-cs"/>
+              </a:defRPr>
+            </a:lvl1pPr>
+            <a:lvl2pPr marL="457200">
+              <a:defRPr>
+                <a:latin typeface="+mn-lt"/>
+                <a:ea typeface="+mn-ea"/>
+                <a:cs typeface="+mn-cs"/>
+              </a:defRPr>
+            </a:lvl2pPr>
+            <a:lvl3pPr marL="914400">
+              <a:defRPr>
+                <a:latin typeface="+mn-lt"/>
+                <a:ea typeface="+mn-ea"/>
+                <a:cs typeface="+mn-cs"/>
+              </a:defRPr>
+            </a:lvl3pPr>
+            <a:lvl4pPr marL="1371600">
+              <a:defRPr>
+                <a:latin typeface="+mn-lt"/>
+                <a:ea typeface="+mn-ea"/>
+                <a:cs typeface="+mn-cs"/>
+              </a:defRPr>
+            </a:lvl4pPr>
+            <a:lvl5pPr marL="1828800">
+              <a:defRPr>
+                <a:latin typeface="+mn-lt"/>
+                <a:ea typeface="+mn-ea"/>
+                <a:cs typeface="+mn-cs"/>
+              </a:defRPr>
+            </a:lvl5pPr>
+            <a:lvl6pPr marL="2286000">
+              <a:defRPr>
+                <a:latin typeface="+mn-lt"/>
+                <a:ea typeface="+mn-ea"/>
+                <a:cs typeface="+mn-cs"/>
+              </a:defRPr>
+            </a:lvl6pPr>
+            <a:lvl7pPr marL="2743200">
+              <a:defRPr>
+                <a:latin typeface="+mn-lt"/>
+                <a:ea typeface="+mn-ea"/>
+                <a:cs typeface="+mn-cs"/>
+              </a:defRPr>
+            </a:lvl7pPr>
+            <a:lvl8pPr marL="3200400">
+              <a:defRPr>
+                <a:latin typeface="+mn-lt"/>
+                <a:ea typeface="+mn-ea"/>
+                <a:cs typeface="+mn-cs"/>
+              </a:defRPr>
+            </a:lvl8pPr>
+            <a:lvl9pPr marL="3657600">
+              <a:defRPr>
+                <a:latin typeface="+mn-lt"/>
+                <a:ea typeface="+mn-ea"/>
+                <a:cs typeface="+mn-cs"/>
+              </a:defRPr>
+            </a:lvl9pPr>
+          </a:lstStyle>
+          <a:p>
+            <a:r>
+              <a:rPr lang="es-ES" sz="1400" kern="0" dirty="0">
+                <a:solidFill>
+                  <a:sysClr val="windowText" lastClr="000000"/>
+                </a:solidFill>
+              </a:rPr>
+              <a:t>En las </a:t>
+            </a:r>
+            <a:r>
+              <a:rPr lang="es-ES" sz="1400" kern="0" dirty="0" err="1">
+                <a:solidFill>
+                  <a:sysClr val="windowText" lastClr="000000"/>
+                </a:solidFill>
+              </a:rPr>
+              <a:t>guias</a:t>
+            </a:r>
+            <a:r>
+              <a:rPr lang="es-ES" sz="1400" kern="0" dirty="0">
+                <a:solidFill>
+                  <a:sysClr val="windowText" lastClr="000000"/>
+                </a:solidFill>
+              </a:rPr>
+              <a:t> Deep, los índices de grupo son ligeramente superiores a las </a:t>
+            </a:r>
+            <a:r>
+              <a:rPr lang="es-ES" sz="1400" kern="0" dirty="0" err="1">
+                <a:solidFill>
+                  <a:sysClr val="windowText" lastClr="000000"/>
+                </a:solidFill>
+              </a:rPr>
+              <a:t>Shallow</a:t>
+            </a:r>
+            <a:r>
+              <a:rPr lang="es-ES" sz="1400" kern="0" dirty="0">
+                <a:solidFill>
+                  <a:sysClr val="windowText" lastClr="000000"/>
+                </a:solidFill>
+              </a:rPr>
+              <a:t> en los dos modos. Esto es porque en las </a:t>
+            </a:r>
+            <a:r>
+              <a:rPr lang="es-ES" sz="1400" kern="0" dirty="0" err="1">
+                <a:solidFill>
+                  <a:sysClr val="windowText" lastClr="000000"/>
+                </a:solidFill>
+              </a:rPr>
+              <a:t>guias</a:t>
+            </a:r>
+            <a:r>
+              <a:rPr lang="es-ES" sz="1400" kern="0" dirty="0">
+                <a:solidFill>
+                  <a:sysClr val="windowText" lastClr="000000"/>
+                </a:solidFill>
+              </a:rPr>
+              <a:t> Deep hay un mayor confinamiento en el núcleo de nitruro de silicio al estar las paredes laterales totalmente grabadas. Por otro lado, en ambos tipos de guía, en los modos TE hay un mayor índice de grupo. Esto es porque el modo TE viaja mas lento debido a una mayor interacción con la geometría del núcleo.</a:t>
+            </a:r>
+          </a:p>
+          <a:p>
+            <a:endParaRPr lang="es-ES" sz="1400" kern="0" dirty="0">
+              <a:solidFill>
+                <a:sysClr val="windowText" lastClr="000000"/>
+              </a:solidFill>
+            </a:endParaRPr>
+          </a:p>
+          <a:p>
+            <a:r>
+              <a:rPr lang="es-ES" sz="1400" kern="0" dirty="0">
+                <a:solidFill>
+                  <a:sysClr val="windowText" lastClr="000000"/>
+                </a:solidFill>
+              </a:rPr>
+              <a:t>En cuanto a la dispersión, la guía Deep tiene una D más negativa que la </a:t>
+            </a:r>
+            <a:r>
+              <a:rPr lang="es-ES" sz="1400" kern="0" dirty="0" err="1">
+                <a:solidFill>
+                  <a:sysClr val="windowText" lastClr="000000"/>
+                </a:solidFill>
+              </a:rPr>
+              <a:t>shallow</a:t>
+            </a:r>
+            <a:r>
+              <a:rPr lang="es-ES" sz="1400" kern="0" dirty="0">
+                <a:solidFill>
+                  <a:sysClr val="windowText" lastClr="000000"/>
+                </a:solidFill>
+              </a:rPr>
+              <a:t>, esto es porque el grabado total de las paredes laterales de la guía Deep hace que aumente la dispersión geométrica, y como consecuencia aumenta la dispersión.</a:t>
+            </a:r>
+          </a:p>
+          <a:p>
+            <a:endParaRPr lang="es-ES" sz="1400" kern="0" dirty="0">
+              <a:solidFill>
+                <a:sysClr val="windowText" lastClr="000000"/>
+              </a:solidFill>
+            </a:endParaRPr>
+          </a:p>
+          <a:p>
+            <a:r>
+              <a:rPr lang="es-ES" sz="1400" kern="0" dirty="0">
+                <a:solidFill>
+                  <a:sysClr val="windowText" lastClr="000000"/>
+                </a:solidFill>
+              </a:rPr>
+              <a:t>La guía </a:t>
+            </a:r>
+            <a:r>
+              <a:rPr lang="es-ES" sz="1400" kern="0" dirty="0" err="1">
+                <a:solidFill>
+                  <a:sysClr val="windowText" lastClr="000000"/>
+                </a:solidFill>
+              </a:rPr>
+              <a:t>Shallow</a:t>
+            </a:r>
+            <a:r>
+              <a:rPr lang="es-ES" sz="1400" kern="0" dirty="0">
+                <a:solidFill>
+                  <a:sysClr val="windowText" lastClr="000000"/>
+                </a:solidFill>
+              </a:rPr>
+              <a:t>, como tiene el </a:t>
+            </a:r>
+            <a:r>
+              <a:rPr lang="es-ES" sz="1400" kern="0" dirty="0" err="1">
+                <a:solidFill>
+                  <a:sysClr val="windowText" lastClr="000000"/>
+                </a:solidFill>
+              </a:rPr>
+              <a:t>slab</a:t>
+            </a:r>
+            <a:r>
+              <a:rPr lang="es-ES" sz="1400" kern="0" dirty="0">
+                <a:solidFill>
+                  <a:sysClr val="windowText" lastClr="000000"/>
+                </a:solidFill>
+              </a:rPr>
+              <a:t>, tiene una dispersión un poco mas pequeña. Esto es porque el </a:t>
+            </a:r>
+            <a:r>
+              <a:rPr lang="es-ES" sz="1400" kern="0" dirty="0" err="1">
+                <a:solidFill>
+                  <a:sysClr val="windowText" lastClr="000000"/>
+                </a:solidFill>
+              </a:rPr>
+              <a:t>slab</a:t>
+            </a:r>
+            <a:r>
+              <a:rPr lang="es-ES" sz="1400" kern="0" dirty="0">
+                <a:solidFill>
+                  <a:sysClr val="windowText" lastClr="000000"/>
+                </a:solidFill>
+              </a:rPr>
+              <a:t> hace que parte del campo se extienda lateralmente. Como consecuencia, la </a:t>
+            </a:r>
+            <a:r>
+              <a:rPr lang="es-ES" sz="1400" kern="0" dirty="0" err="1">
+                <a:solidFill>
+                  <a:sysClr val="windowText" lastClr="000000"/>
+                </a:solidFill>
+              </a:rPr>
+              <a:t>variacion</a:t>
+            </a:r>
+            <a:r>
+              <a:rPr lang="es-ES" sz="1400" kern="0" dirty="0">
+                <a:solidFill>
+                  <a:sysClr val="windowText" lastClr="000000"/>
+                </a:solidFill>
+              </a:rPr>
+              <a:t> de índice efectivo se suaviza con la longitud de onda.</a:t>
+            </a:r>
+          </a:p>
+        </p:txBody>
+      </p:sp>
+      <p:graphicFrame>
+        <p:nvGraphicFramePr>
+          <p:cNvPr id="24" name="Tabla 23">
+            <a:extLst>
+              <a:ext uri="{FF2B5EF4-FFF2-40B4-BE49-F238E27FC236}">
+                <a16:creationId xmlns:a16="http://schemas.microsoft.com/office/drawing/2014/main" id="{36B65CC6-CABA-B3A5-874A-6B2A20A4DF61}"/>
+              </a:ext>
+            </a:extLst>
+          </p:cNvPr>
+          <p:cNvGraphicFramePr>
+            <a:graphicFrameLocks noGrp="1"/>
+          </p:cNvGraphicFramePr>
+          <p:nvPr>
+            <p:extLst>
+              <p:ext uri="{D42A27DB-BD31-4B8C-83A1-F6EECF244321}">
+                <p14:modId xmlns:p14="http://schemas.microsoft.com/office/powerpoint/2010/main" val="1238578667"/>
+              </p:ext>
+            </p:extLst>
+          </p:nvPr>
+        </p:nvGraphicFramePr>
+        <p:xfrm>
+          <a:off x="7162800" y="3301440"/>
+          <a:ext cx="4739639" cy="3494446"/>
+        </p:xfrm>
+        <a:graphic>
+          <a:graphicData uri="http://schemas.openxmlformats.org/drawingml/2006/table">
+            <a:tbl>
+              <a:tblPr firstRow="1" bandRow="1">
+                <a:tableStyleId>{5C22544A-7EE6-4342-B048-85BDC9FD1C3A}</a:tableStyleId>
+              </a:tblPr>
+              <a:tblGrid>
+                <a:gridCol w="1295400">
+                  <a:extLst>
+                    <a:ext uri="{9D8B030D-6E8A-4147-A177-3AD203B41FA5}">
+                      <a16:colId xmlns:a16="http://schemas.microsoft.com/office/drawing/2014/main" val="1768499776"/>
+                    </a:ext>
+                  </a:extLst>
+                </a:gridCol>
+                <a:gridCol w="1752600">
+                  <a:extLst>
+                    <a:ext uri="{9D8B030D-6E8A-4147-A177-3AD203B41FA5}">
+                      <a16:colId xmlns:a16="http://schemas.microsoft.com/office/drawing/2014/main" val="1118619719"/>
+                    </a:ext>
+                  </a:extLst>
+                </a:gridCol>
+                <a:gridCol w="1691639">
+                  <a:extLst>
+                    <a:ext uri="{9D8B030D-6E8A-4147-A177-3AD203B41FA5}">
+                      <a16:colId xmlns:a16="http://schemas.microsoft.com/office/drawing/2014/main" val="2277682712"/>
+                    </a:ext>
+                  </a:extLst>
+                </a:gridCol>
+              </a:tblGrid>
+              <a:tr h="353689">
+                <a:tc>
+                  <a:txBody>
+                    <a:bodyPr/>
+                    <a:lstStyle/>
+                    <a:p>
+                      <a:r>
+                        <a:rPr lang="es-ES" sz="1400" dirty="0"/>
+                        <a:t>Característica</a:t>
+                      </a:r>
+                    </a:p>
+                  </a:txBody>
+                  <a:tcPr/>
+                </a:tc>
+                <a:tc>
+                  <a:txBody>
+                    <a:bodyPr/>
+                    <a:lstStyle/>
+                    <a:p>
+                      <a:r>
+                        <a:rPr lang="es-ES" sz="1400" dirty="0"/>
+                        <a:t>Deep WG</a:t>
+                      </a:r>
+                    </a:p>
+                  </a:txBody>
+                  <a:tcPr/>
+                </a:tc>
+                <a:tc>
+                  <a:txBody>
+                    <a:bodyPr/>
+                    <a:lstStyle/>
+                    <a:p>
+                      <a:r>
+                        <a:rPr lang="es-ES" sz="1400" dirty="0" err="1"/>
+                        <a:t>Shallow</a:t>
+                      </a:r>
+                      <a:r>
+                        <a:rPr lang="es-ES" sz="1400" dirty="0"/>
+                        <a:t> WG</a:t>
+                      </a:r>
+                    </a:p>
+                  </a:txBody>
+                  <a:tcPr/>
+                </a:tc>
+                <a:extLst>
+                  <a:ext uri="{0D108BD9-81ED-4DB2-BD59-A6C34878D82A}">
+                    <a16:rowId xmlns:a16="http://schemas.microsoft.com/office/drawing/2014/main" val="3459151985"/>
+                  </a:ext>
+                </a:extLst>
+              </a:tr>
+              <a:tr h="610917">
+                <a:tc>
+                  <a:txBody>
+                    <a:bodyPr/>
+                    <a:lstStyle/>
+                    <a:p>
+                      <a:r>
+                        <a:rPr lang="es-ES" sz="1400" dirty="0"/>
+                        <a:t>Confinamiento</a:t>
+                      </a:r>
+                    </a:p>
+                  </a:txBody>
+                  <a:tcPr/>
+                </a:tc>
+                <a:tc>
+                  <a:txBody>
+                    <a:bodyPr/>
+                    <a:lstStyle/>
+                    <a:p>
+                      <a:r>
+                        <a:rPr lang="es-ES" sz="1400" dirty="0"/>
+                        <a:t>Mayor (paredes totalmente grabadas</a:t>
+                      </a:r>
+                    </a:p>
+                  </a:txBody>
+                  <a:tcPr/>
+                </a:tc>
+                <a:tc>
+                  <a:txBody>
+                    <a:bodyPr/>
+                    <a:lstStyle/>
+                    <a:p>
+                      <a:r>
+                        <a:rPr lang="es-ES" sz="1400" dirty="0"/>
+                        <a:t>Menor (</a:t>
+                      </a:r>
+                      <a:r>
+                        <a:rPr lang="es-ES" sz="1400" dirty="0" err="1"/>
+                        <a:t>slab</a:t>
+                      </a:r>
+                      <a:r>
+                        <a:rPr lang="es-ES" sz="1400" dirty="0"/>
+                        <a:t> lateral)</a:t>
+                      </a:r>
+                    </a:p>
+                  </a:txBody>
+                  <a:tcPr/>
+                </a:tc>
+                <a:extLst>
+                  <a:ext uri="{0D108BD9-81ED-4DB2-BD59-A6C34878D82A}">
+                    <a16:rowId xmlns:a16="http://schemas.microsoft.com/office/drawing/2014/main" val="4223973807"/>
+                  </a:ext>
+                </a:extLst>
+              </a:tr>
+              <a:tr h="868145">
+                <a:tc>
+                  <a:txBody>
+                    <a:bodyPr/>
+                    <a:lstStyle/>
+                    <a:p>
+                      <a:r>
+                        <a:rPr lang="es-ES" sz="1400" dirty="0" err="1"/>
+                        <a:t>Indice</a:t>
+                      </a:r>
+                      <a:r>
+                        <a:rPr lang="es-ES" sz="1400" dirty="0"/>
+                        <a:t> de grupo</a:t>
+                      </a:r>
+                    </a:p>
+                  </a:txBody>
+                  <a:tcPr/>
+                </a:tc>
+                <a:tc>
+                  <a:txBody>
+                    <a:bodyPr/>
+                    <a:lstStyle/>
+                    <a:p>
+                      <a:r>
+                        <a:rPr lang="es-ES" sz="1400" dirty="0"/>
+                        <a:t>Mayor: al estar mas confinada, la luz actúa mas con el </a:t>
+                      </a:r>
+                      <a:r>
+                        <a:rPr lang="es-ES" sz="1400" dirty="0" err="1"/>
+                        <a:t>mat.</a:t>
+                      </a:r>
+                      <a:r>
+                        <a:rPr lang="es-ES" sz="1400" dirty="0"/>
+                        <a:t> de alto índice por lo que va mas lento.</a:t>
+                      </a:r>
+                    </a:p>
+                  </a:txBody>
+                  <a:tcPr/>
+                </a:tc>
+                <a:tc>
+                  <a:txBody>
+                    <a:bodyPr/>
+                    <a:lstStyle/>
+                    <a:p>
+                      <a:r>
+                        <a:rPr lang="es-ES" sz="1400" dirty="0"/>
+                        <a:t>Menor: el campo se extiende mas hacia las zonas laterales</a:t>
+                      </a:r>
+                    </a:p>
+                  </a:txBody>
+                  <a:tcPr/>
+                </a:tc>
+                <a:extLst>
+                  <a:ext uri="{0D108BD9-81ED-4DB2-BD59-A6C34878D82A}">
+                    <a16:rowId xmlns:a16="http://schemas.microsoft.com/office/drawing/2014/main" val="1707974440"/>
+                  </a:ext>
+                </a:extLst>
+              </a:tr>
+              <a:tr h="1125373">
+                <a:tc>
+                  <a:txBody>
+                    <a:bodyPr/>
+                    <a:lstStyle/>
+                    <a:p>
+                      <a:r>
+                        <a:rPr lang="es-ES" sz="1400" dirty="0" err="1"/>
+                        <a:t>Dispersion</a:t>
+                      </a:r>
+                      <a:endParaRPr lang="es-ES" sz="1400" dirty="0"/>
+                    </a:p>
+                  </a:txBody>
+                  <a:tcPr/>
+                </a:tc>
+                <a:tc>
+                  <a:txBody>
+                    <a:bodyPr/>
+                    <a:lstStyle/>
+                    <a:p>
+                      <a:r>
+                        <a:rPr lang="es-ES" sz="1400" dirty="0"/>
+                        <a:t>Más negativa: domina la dispersión geométrica por el cambio abrupto en las paredes</a:t>
+                      </a:r>
+                    </a:p>
+                  </a:txBody>
+                  <a:tcPr/>
+                </a:tc>
+                <a:tc>
+                  <a:txBody>
+                    <a:bodyPr/>
+                    <a:lstStyle/>
+                    <a:p>
+                      <a:r>
+                        <a:rPr lang="es-ES" sz="1400" dirty="0"/>
+                        <a:t>Menos negativa: el </a:t>
+                      </a:r>
+                      <a:r>
+                        <a:rPr lang="es-ES" sz="1400" dirty="0" err="1"/>
+                        <a:t>slab</a:t>
+                      </a:r>
+                      <a:r>
+                        <a:rPr lang="es-ES" sz="1400" dirty="0"/>
+                        <a:t> reduce un poco el impacto de la dispersión geométrica</a:t>
+                      </a:r>
+                    </a:p>
+                  </a:txBody>
+                  <a:tcPr/>
+                </a:tc>
+                <a:extLst>
+                  <a:ext uri="{0D108BD9-81ED-4DB2-BD59-A6C34878D82A}">
+                    <a16:rowId xmlns:a16="http://schemas.microsoft.com/office/drawing/2014/main" val="2801807417"/>
+                  </a:ext>
+                </a:extLst>
+              </a:tr>
+            </a:tbl>
+          </a:graphicData>
+        </a:graphic>
+      </p:graphicFrame>
+    </p:spTree>
+    <p:extLst>
+      <p:ext uri="{BB962C8B-B14F-4D97-AF65-F5344CB8AC3E}">
+        <p14:creationId xmlns:p14="http://schemas.microsoft.com/office/powerpoint/2010/main" val="1352920688"/>
+      </p:ext>
+    </p:extLst>
+  </p:cSld>
+  <p:clrMapOvr>
+    <a:masterClrMapping/>
+  </p:clrMapOvr>
+</p:sld>
+</file>
+
+<file path=ppt/slides/slide7.xml><?xml version="1.0" encoding="utf-8"?>
 <p:sld xmlns:a="http://schemas.openxmlformats.org/drawingml/2006/main" xmlns:r="http://schemas.openxmlformats.org/officeDocument/2006/relationships" xmlns:p="http://schemas.openxmlformats.org/presentationml/2006/main">
   <p:cSld>
     <p:spTree>
@@ -7838,7 +8788,7 @@
           <a:p>
             <a:fld id="{B6F15528-21DE-4FAA-801E-634DDDAF4B2B}" type="slidenum">
               <a:rPr lang="es-ES" smtClean="0"/>
-              <a:t>6</a:t>
+              <a:t>7</a:t>
             </a:fld>
             <a:endParaRPr lang="es-ES"/>
           </a:p>
@@ -8310,7 +9260,7 @@
 </p:sld>
 </file>
 
-<file path=ppt/slides/slide7.xml><?xml version="1.0" encoding="utf-8"?>
+<file path=ppt/slides/slide8.xml><?xml version="1.0" encoding="utf-8"?>
 <p:sld xmlns:a="http://schemas.openxmlformats.org/drawingml/2006/main" xmlns:r="http://schemas.openxmlformats.org/officeDocument/2006/relationships" xmlns:p="http://schemas.openxmlformats.org/presentationml/2006/main">
   <p:cSld>
     <p:spTree>
@@ -8449,7 +9399,7 @@
           <a:p>
             <a:fld id="{B6F15528-21DE-4FAA-801E-634DDDAF4B2B}" type="slidenum">
               <a:rPr lang="es-ES" smtClean="0"/>
-              <a:t>7</a:t>
+              <a:t>8</a:t>
             </a:fld>
             <a:endParaRPr lang="es-ES"/>
           </a:p>
